--- a/Aspect-Oriented-Software-Development.pptx
+++ b/Aspect-Oriented-Software-Development.pptx
@@ -5,7 +5,7 @@
     <p:sldMasterId id="2147483658" r:id="rId1"/>
   </p:sldMasterIdLst>
   <p:notesMasterIdLst>
-    <p:notesMasterId r:id="rId24"/>
+    <p:notesMasterId r:id="rId29"/>
   </p:notesMasterIdLst>
   <p:sldIdLst>
     <p:sldId id="256" r:id="rId2"/>
@@ -30,14 +30,19 @@
     <p:sldId id="280" r:id="rId21"/>
     <p:sldId id="281" r:id="rId22"/>
     <p:sldId id="282" r:id="rId23"/>
+    <p:sldId id="283" r:id="rId24"/>
+    <p:sldId id="285" r:id="rId25"/>
+    <p:sldId id="284" r:id="rId26"/>
+    <p:sldId id="286" r:id="rId27"/>
+    <p:sldId id="287" r:id="rId28"/>
   </p:sldIdLst>
   <p:sldSz cx="9144000" cy="5143500" type="screen16x9"/>
   <p:notesSz cx="6858000" cy="9144000"/>
   <p:embeddedFontLst>
     <p:embeddedFont>
       <p:font typeface="Quicksand" pitchFamily="2" charset="77"/>
-      <p:regular r:id="rId25"/>
-      <p:bold r:id="rId26"/>
+      <p:regular r:id="rId30"/>
+      <p:bold r:id="rId31"/>
     </p:embeddedFont>
   </p:embeddedFontLst>
   <p:defaultTextStyle>
@@ -2334,6 +2339,551 @@
     <p:extLst>
       <p:ext uri="{BB962C8B-B14F-4D97-AF65-F5344CB8AC3E}">
         <p14:creationId xmlns:p14="http://schemas.microsoft.com/office/powerpoint/2010/main" val="687527094"/>
+      </p:ext>
+    </p:extLst>
+  </p:cSld>
+  <p:clrMapOvr>
+    <a:masterClrMapping/>
+  </p:clrMapOvr>
+</p:notes>
+</file>
+
+<file path=ppt/notesSlides/notesSlide23.xml><?xml version="1.0" encoding="utf-8"?>
+<p:notes xmlns:a="http://schemas.openxmlformats.org/drawingml/2006/main" xmlns:r="http://schemas.openxmlformats.org/officeDocument/2006/relationships" xmlns:p="http://schemas.openxmlformats.org/presentationml/2006/main" showMasterSp="0" showMasterPhAnim="0">
+  <p:cSld>
+    <p:spTree>
+      <p:nvGrpSpPr>
+        <p:cNvPr id="1" name="Shape 104"/>
+        <p:cNvGrpSpPr/>
+        <p:nvPr/>
+      </p:nvGrpSpPr>
+      <p:grpSpPr>
+        <a:xfrm>
+          <a:off x="0" y="0"/>
+          <a:ext cx="0" cy="0"/>
+          <a:chOff x="0" y="0"/>
+          <a:chExt cx="0" cy="0"/>
+        </a:xfrm>
+      </p:grpSpPr>
+      <p:sp>
+        <p:nvSpPr>
+          <p:cNvPr id="105" name="Google Shape;105;p:notes"/>
+          <p:cNvSpPr>
+            <a:spLocks noGrp="1" noRot="1" noChangeAspect="1"/>
+          </p:cNvSpPr>
+          <p:nvPr>
+            <p:ph type="sldImg" idx="2"/>
+          </p:nvPr>
+        </p:nvSpPr>
+        <p:spPr>
+          <a:xfrm>
+            <a:off x="381000" y="685800"/>
+            <a:ext cx="6096000" cy="3429000"/>
+          </a:xfrm>
+          <a:custGeom>
+            <a:avLst/>
+            <a:gdLst/>
+            <a:ahLst/>
+            <a:cxnLst/>
+            <a:rect l="l" t="t" r="r" b="b"/>
+            <a:pathLst>
+              <a:path w="120000" h="120000" extrusionOk="0">
+                <a:moveTo>
+                  <a:pt x="0" y="0"/>
+                </a:moveTo>
+                <a:lnTo>
+                  <a:pt x="120000" y="0"/>
+                </a:lnTo>
+                <a:lnTo>
+                  <a:pt x="120000" y="120000"/>
+                </a:lnTo>
+                <a:lnTo>
+                  <a:pt x="0" y="120000"/>
+                </a:lnTo>
+                <a:close/>
+              </a:path>
+            </a:pathLst>
+          </a:custGeom>
+        </p:spPr>
+      </p:sp>
+      <p:sp>
+        <p:nvSpPr>
+          <p:cNvPr id="106" name="Google Shape;106;p:notes"/>
+          <p:cNvSpPr txBox="1">
+            <a:spLocks noGrp="1"/>
+          </p:cNvSpPr>
+          <p:nvPr>
+            <p:ph type="body" idx="1"/>
+          </p:nvPr>
+        </p:nvSpPr>
+        <p:spPr>
+          <a:xfrm>
+            <a:off x="685800" y="4343400"/>
+            <a:ext cx="5486400" cy="4114800"/>
+          </a:xfrm>
+          <a:prstGeom prst="rect">
+            <a:avLst/>
+          </a:prstGeom>
+        </p:spPr>
+        <p:txBody>
+          <a:bodyPr spcFirstLastPara="1" wrap="square" lIns="91425" tIns="91425" rIns="91425" bIns="91425" anchor="t" anchorCtr="0">
+            <a:noAutofit/>
+          </a:bodyPr>
+          <a:lstStyle/>
+          <a:p>
+            <a:pPr marL="0" lvl="0" indent="0" algn="l" rtl="0">
+              <a:spcBef>
+                <a:spcPts val="0"/>
+              </a:spcBef>
+              <a:spcAft>
+                <a:spcPts val="0"/>
+              </a:spcAft>
+              <a:buNone/>
+            </a:pPr>
+            <a:endParaRPr/>
+          </a:p>
+        </p:txBody>
+      </p:sp>
+    </p:spTree>
+    <p:extLst>
+      <p:ext uri="{BB962C8B-B14F-4D97-AF65-F5344CB8AC3E}">
+        <p14:creationId xmlns:p14="http://schemas.microsoft.com/office/powerpoint/2010/main" val="3787932783"/>
+      </p:ext>
+    </p:extLst>
+  </p:cSld>
+  <p:clrMapOvr>
+    <a:masterClrMapping/>
+  </p:clrMapOvr>
+</p:notes>
+</file>
+
+<file path=ppt/notesSlides/notesSlide24.xml><?xml version="1.0" encoding="utf-8"?>
+<p:notes xmlns:a="http://schemas.openxmlformats.org/drawingml/2006/main" xmlns:r="http://schemas.openxmlformats.org/officeDocument/2006/relationships" xmlns:p="http://schemas.openxmlformats.org/presentationml/2006/main" showMasterSp="0" showMasterPhAnim="0">
+  <p:cSld>
+    <p:spTree>
+      <p:nvGrpSpPr>
+        <p:cNvPr id="1" name="Shape 90"/>
+        <p:cNvGrpSpPr/>
+        <p:nvPr/>
+      </p:nvGrpSpPr>
+      <p:grpSpPr>
+        <a:xfrm>
+          <a:off x="0" y="0"/>
+          <a:ext cx="0" cy="0"/>
+          <a:chOff x="0" y="0"/>
+          <a:chExt cx="0" cy="0"/>
+        </a:xfrm>
+      </p:grpSpPr>
+      <p:sp>
+        <p:nvSpPr>
+          <p:cNvPr id="91" name="Google Shape;91;g35f391192_029:notes"/>
+          <p:cNvSpPr>
+            <a:spLocks noGrp="1" noRot="1" noChangeAspect="1"/>
+          </p:cNvSpPr>
+          <p:nvPr>
+            <p:ph type="sldImg" idx="2"/>
+          </p:nvPr>
+        </p:nvSpPr>
+        <p:spPr>
+          <a:xfrm>
+            <a:off x="381000" y="685800"/>
+            <a:ext cx="6096000" cy="3429000"/>
+          </a:xfrm>
+          <a:custGeom>
+            <a:avLst/>
+            <a:gdLst/>
+            <a:ahLst/>
+            <a:cxnLst/>
+            <a:rect l="l" t="t" r="r" b="b"/>
+            <a:pathLst>
+              <a:path w="120000" h="120000" extrusionOk="0">
+                <a:moveTo>
+                  <a:pt x="0" y="0"/>
+                </a:moveTo>
+                <a:lnTo>
+                  <a:pt x="120000" y="0"/>
+                </a:lnTo>
+                <a:lnTo>
+                  <a:pt x="120000" y="120000"/>
+                </a:lnTo>
+                <a:lnTo>
+                  <a:pt x="0" y="120000"/>
+                </a:lnTo>
+                <a:close/>
+              </a:path>
+            </a:pathLst>
+          </a:custGeom>
+        </p:spPr>
+      </p:sp>
+      <p:sp>
+        <p:nvSpPr>
+          <p:cNvPr id="92" name="Google Shape;92;g35f391192_029:notes"/>
+          <p:cNvSpPr txBox="1">
+            <a:spLocks noGrp="1"/>
+          </p:cNvSpPr>
+          <p:nvPr>
+            <p:ph type="body" idx="1"/>
+          </p:nvPr>
+        </p:nvSpPr>
+        <p:spPr>
+          <a:xfrm>
+            <a:off x="685800" y="4343400"/>
+            <a:ext cx="5486400" cy="4114800"/>
+          </a:xfrm>
+          <a:prstGeom prst="rect">
+            <a:avLst/>
+          </a:prstGeom>
+        </p:spPr>
+        <p:txBody>
+          <a:bodyPr spcFirstLastPara="1" wrap="square" lIns="91425" tIns="91425" rIns="91425" bIns="91425" anchor="t" anchorCtr="0">
+            <a:noAutofit/>
+          </a:bodyPr>
+          <a:lstStyle/>
+          <a:p>
+            <a:pPr marL="0" lvl="0" indent="0" algn="l" rtl="0">
+              <a:spcBef>
+                <a:spcPts val="0"/>
+              </a:spcBef>
+              <a:spcAft>
+                <a:spcPts val="0"/>
+              </a:spcAft>
+              <a:buNone/>
+            </a:pPr>
+            <a:endParaRPr/>
+          </a:p>
+        </p:txBody>
+      </p:sp>
+    </p:spTree>
+    <p:extLst>
+      <p:ext uri="{BB962C8B-B14F-4D97-AF65-F5344CB8AC3E}">
+        <p14:creationId xmlns:p14="http://schemas.microsoft.com/office/powerpoint/2010/main" val="4198862640"/>
+      </p:ext>
+    </p:extLst>
+  </p:cSld>
+  <p:clrMapOvr>
+    <a:masterClrMapping/>
+  </p:clrMapOvr>
+</p:notes>
+</file>
+
+<file path=ppt/notesSlides/notesSlide25.xml><?xml version="1.0" encoding="utf-8"?>
+<p:notes xmlns:a="http://schemas.openxmlformats.org/drawingml/2006/main" xmlns:r="http://schemas.openxmlformats.org/officeDocument/2006/relationships" xmlns:p="http://schemas.openxmlformats.org/presentationml/2006/main" showMasterSp="0" showMasterPhAnim="0">
+  <p:cSld>
+    <p:spTree>
+      <p:nvGrpSpPr>
+        <p:cNvPr id="1" name="Shape 104"/>
+        <p:cNvGrpSpPr/>
+        <p:nvPr/>
+      </p:nvGrpSpPr>
+      <p:grpSpPr>
+        <a:xfrm>
+          <a:off x="0" y="0"/>
+          <a:ext cx="0" cy="0"/>
+          <a:chOff x="0" y="0"/>
+          <a:chExt cx="0" cy="0"/>
+        </a:xfrm>
+      </p:grpSpPr>
+      <p:sp>
+        <p:nvSpPr>
+          <p:cNvPr id="105" name="Google Shape;105;p:notes"/>
+          <p:cNvSpPr>
+            <a:spLocks noGrp="1" noRot="1" noChangeAspect="1"/>
+          </p:cNvSpPr>
+          <p:nvPr>
+            <p:ph type="sldImg" idx="2"/>
+          </p:nvPr>
+        </p:nvSpPr>
+        <p:spPr>
+          <a:xfrm>
+            <a:off x="381000" y="685800"/>
+            <a:ext cx="6096000" cy="3429000"/>
+          </a:xfrm>
+          <a:custGeom>
+            <a:avLst/>
+            <a:gdLst/>
+            <a:ahLst/>
+            <a:cxnLst/>
+            <a:rect l="l" t="t" r="r" b="b"/>
+            <a:pathLst>
+              <a:path w="120000" h="120000" extrusionOk="0">
+                <a:moveTo>
+                  <a:pt x="0" y="0"/>
+                </a:moveTo>
+                <a:lnTo>
+                  <a:pt x="120000" y="0"/>
+                </a:lnTo>
+                <a:lnTo>
+                  <a:pt x="120000" y="120000"/>
+                </a:lnTo>
+                <a:lnTo>
+                  <a:pt x="0" y="120000"/>
+                </a:lnTo>
+                <a:close/>
+              </a:path>
+            </a:pathLst>
+          </a:custGeom>
+        </p:spPr>
+      </p:sp>
+      <p:sp>
+        <p:nvSpPr>
+          <p:cNvPr id="106" name="Google Shape;106;p:notes"/>
+          <p:cNvSpPr txBox="1">
+            <a:spLocks noGrp="1"/>
+          </p:cNvSpPr>
+          <p:nvPr>
+            <p:ph type="body" idx="1"/>
+          </p:nvPr>
+        </p:nvSpPr>
+        <p:spPr>
+          <a:xfrm>
+            <a:off x="685800" y="4343400"/>
+            <a:ext cx="5486400" cy="4114800"/>
+          </a:xfrm>
+          <a:prstGeom prst="rect">
+            <a:avLst/>
+          </a:prstGeom>
+        </p:spPr>
+        <p:txBody>
+          <a:bodyPr spcFirstLastPara="1" wrap="square" lIns="91425" tIns="91425" rIns="91425" bIns="91425" anchor="t" anchorCtr="0">
+            <a:noAutofit/>
+          </a:bodyPr>
+          <a:lstStyle/>
+          <a:p>
+            <a:pPr marL="0" lvl="0" indent="0" algn="l" rtl="0">
+              <a:spcBef>
+                <a:spcPts val="0"/>
+              </a:spcBef>
+              <a:spcAft>
+                <a:spcPts val="0"/>
+              </a:spcAft>
+              <a:buNone/>
+            </a:pPr>
+            <a:endParaRPr dirty="0"/>
+          </a:p>
+        </p:txBody>
+      </p:sp>
+    </p:spTree>
+    <p:extLst>
+      <p:ext uri="{BB962C8B-B14F-4D97-AF65-F5344CB8AC3E}">
+        <p14:creationId xmlns:p14="http://schemas.microsoft.com/office/powerpoint/2010/main" val="994172804"/>
+      </p:ext>
+    </p:extLst>
+  </p:cSld>
+  <p:clrMapOvr>
+    <a:masterClrMapping/>
+  </p:clrMapOvr>
+</p:notes>
+</file>
+
+<file path=ppt/notesSlides/notesSlide26.xml><?xml version="1.0" encoding="utf-8"?>
+<p:notes xmlns:a="http://schemas.openxmlformats.org/drawingml/2006/main" xmlns:r="http://schemas.openxmlformats.org/officeDocument/2006/relationships" xmlns:p="http://schemas.openxmlformats.org/presentationml/2006/main" showMasterSp="0" showMasterPhAnim="0">
+  <p:cSld>
+    <p:spTree>
+      <p:nvGrpSpPr>
+        <p:cNvPr id="1" name="Shape 104"/>
+        <p:cNvGrpSpPr/>
+        <p:nvPr/>
+      </p:nvGrpSpPr>
+      <p:grpSpPr>
+        <a:xfrm>
+          <a:off x="0" y="0"/>
+          <a:ext cx="0" cy="0"/>
+          <a:chOff x="0" y="0"/>
+          <a:chExt cx="0" cy="0"/>
+        </a:xfrm>
+      </p:grpSpPr>
+      <p:sp>
+        <p:nvSpPr>
+          <p:cNvPr id="105" name="Google Shape;105;p:notes"/>
+          <p:cNvSpPr>
+            <a:spLocks noGrp="1" noRot="1" noChangeAspect="1"/>
+          </p:cNvSpPr>
+          <p:nvPr>
+            <p:ph type="sldImg" idx="2"/>
+          </p:nvPr>
+        </p:nvSpPr>
+        <p:spPr>
+          <a:xfrm>
+            <a:off x="381000" y="685800"/>
+            <a:ext cx="6096000" cy="3429000"/>
+          </a:xfrm>
+          <a:custGeom>
+            <a:avLst/>
+            <a:gdLst/>
+            <a:ahLst/>
+            <a:cxnLst/>
+            <a:rect l="l" t="t" r="r" b="b"/>
+            <a:pathLst>
+              <a:path w="120000" h="120000" extrusionOk="0">
+                <a:moveTo>
+                  <a:pt x="0" y="0"/>
+                </a:moveTo>
+                <a:lnTo>
+                  <a:pt x="120000" y="0"/>
+                </a:lnTo>
+                <a:lnTo>
+                  <a:pt x="120000" y="120000"/>
+                </a:lnTo>
+                <a:lnTo>
+                  <a:pt x="0" y="120000"/>
+                </a:lnTo>
+                <a:close/>
+              </a:path>
+            </a:pathLst>
+          </a:custGeom>
+        </p:spPr>
+      </p:sp>
+      <p:sp>
+        <p:nvSpPr>
+          <p:cNvPr id="106" name="Google Shape;106;p:notes"/>
+          <p:cNvSpPr txBox="1">
+            <a:spLocks noGrp="1"/>
+          </p:cNvSpPr>
+          <p:nvPr>
+            <p:ph type="body" idx="1"/>
+          </p:nvPr>
+        </p:nvSpPr>
+        <p:spPr>
+          <a:xfrm>
+            <a:off x="685800" y="4343400"/>
+            <a:ext cx="5486400" cy="4114800"/>
+          </a:xfrm>
+          <a:prstGeom prst="rect">
+            <a:avLst/>
+          </a:prstGeom>
+        </p:spPr>
+        <p:txBody>
+          <a:bodyPr spcFirstLastPara="1" wrap="square" lIns="91425" tIns="91425" rIns="91425" bIns="91425" anchor="t" anchorCtr="0">
+            <a:noAutofit/>
+          </a:bodyPr>
+          <a:lstStyle/>
+          <a:p>
+            <a:pPr marL="0" lvl="0" indent="0" algn="l" rtl="0">
+              <a:spcBef>
+                <a:spcPts val="0"/>
+              </a:spcBef>
+              <a:spcAft>
+                <a:spcPts val="0"/>
+              </a:spcAft>
+              <a:buNone/>
+            </a:pPr>
+            <a:endParaRPr/>
+          </a:p>
+        </p:txBody>
+      </p:sp>
+    </p:spTree>
+    <p:extLst>
+      <p:ext uri="{BB962C8B-B14F-4D97-AF65-F5344CB8AC3E}">
+        <p14:creationId xmlns:p14="http://schemas.microsoft.com/office/powerpoint/2010/main" val="1960837917"/>
+      </p:ext>
+    </p:extLst>
+  </p:cSld>
+  <p:clrMapOvr>
+    <a:masterClrMapping/>
+  </p:clrMapOvr>
+</p:notes>
+</file>
+
+<file path=ppt/notesSlides/notesSlide27.xml><?xml version="1.0" encoding="utf-8"?>
+<p:notes xmlns:a="http://schemas.openxmlformats.org/drawingml/2006/main" xmlns:r="http://schemas.openxmlformats.org/officeDocument/2006/relationships" xmlns:p="http://schemas.openxmlformats.org/presentationml/2006/main" showMasterSp="0" showMasterPhAnim="0">
+  <p:cSld>
+    <p:spTree>
+      <p:nvGrpSpPr>
+        <p:cNvPr id="1" name="Shape 104"/>
+        <p:cNvGrpSpPr/>
+        <p:nvPr/>
+      </p:nvGrpSpPr>
+      <p:grpSpPr>
+        <a:xfrm>
+          <a:off x="0" y="0"/>
+          <a:ext cx="0" cy="0"/>
+          <a:chOff x="0" y="0"/>
+          <a:chExt cx="0" cy="0"/>
+        </a:xfrm>
+      </p:grpSpPr>
+      <p:sp>
+        <p:nvSpPr>
+          <p:cNvPr id="105" name="Google Shape;105;p:notes"/>
+          <p:cNvSpPr>
+            <a:spLocks noGrp="1" noRot="1" noChangeAspect="1"/>
+          </p:cNvSpPr>
+          <p:nvPr>
+            <p:ph type="sldImg" idx="2"/>
+          </p:nvPr>
+        </p:nvSpPr>
+        <p:spPr>
+          <a:xfrm>
+            <a:off x="381000" y="685800"/>
+            <a:ext cx="6096000" cy="3429000"/>
+          </a:xfrm>
+          <a:custGeom>
+            <a:avLst/>
+            <a:gdLst/>
+            <a:ahLst/>
+            <a:cxnLst/>
+            <a:rect l="l" t="t" r="r" b="b"/>
+            <a:pathLst>
+              <a:path w="120000" h="120000" extrusionOk="0">
+                <a:moveTo>
+                  <a:pt x="0" y="0"/>
+                </a:moveTo>
+                <a:lnTo>
+                  <a:pt x="120000" y="0"/>
+                </a:lnTo>
+                <a:lnTo>
+                  <a:pt x="120000" y="120000"/>
+                </a:lnTo>
+                <a:lnTo>
+                  <a:pt x="0" y="120000"/>
+                </a:lnTo>
+                <a:close/>
+              </a:path>
+            </a:pathLst>
+          </a:custGeom>
+        </p:spPr>
+      </p:sp>
+      <p:sp>
+        <p:nvSpPr>
+          <p:cNvPr id="106" name="Google Shape;106;p:notes"/>
+          <p:cNvSpPr txBox="1">
+            <a:spLocks noGrp="1"/>
+          </p:cNvSpPr>
+          <p:nvPr>
+            <p:ph type="body" idx="1"/>
+          </p:nvPr>
+        </p:nvSpPr>
+        <p:spPr>
+          <a:xfrm>
+            <a:off x="685800" y="4343400"/>
+            <a:ext cx="5486400" cy="4114800"/>
+          </a:xfrm>
+          <a:prstGeom prst="rect">
+            <a:avLst/>
+          </a:prstGeom>
+        </p:spPr>
+        <p:txBody>
+          <a:bodyPr spcFirstLastPara="1" wrap="square" lIns="91425" tIns="91425" rIns="91425" bIns="91425" anchor="t" anchorCtr="0">
+            <a:noAutofit/>
+          </a:bodyPr>
+          <a:lstStyle/>
+          <a:p>
+            <a:pPr marL="0" lvl="0" indent="0" algn="l" rtl="0">
+              <a:spcBef>
+                <a:spcPts val="0"/>
+              </a:spcBef>
+              <a:spcAft>
+                <a:spcPts val="0"/>
+              </a:spcAft>
+              <a:buNone/>
+            </a:pPr>
+            <a:endParaRPr/>
+          </a:p>
+        </p:txBody>
+      </p:sp>
+    </p:spTree>
+    <p:extLst>
+      <p:ext uri="{BB962C8B-B14F-4D97-AF65-F5344CB8AC3E}">
+        <p14:creationId xmlns:p14="http://schemas.microsoft.com/office/powerpoint/2010/main" val="2480376677"/>
       </p:ext>
     </p:extLst>
   </p:cSld>
@@ -6894,6 +7444,16 @@
               </a:rPr>
             </a:br>
             <a:r>
+              <a:rPr lang="en-US" sz="2400" dirty="0" err="1">
+                <a:solidFill>
+                  <a:schemeClr val="bg1"/>
+                </a:solidFill>
+                <a:latin typeface="Times New Roman" panose="02020603050405020304" pitchFamily="18" charset="0"/>
+                <a:cs typeface="Times New Roman" panose="02020603050405020304" pitchFamily="18" charset="0"/>
+              </a:rPr>
+              <a:t>Dr.Haroon</a:t>
+            </a:r>
+            <a:r>
               <a:rPr lang="en-US" sz="2400" dirty="0">
                 <a:solidFill>
                   <a:schemeClr val="bg1"/>
@@ -6901,7 +7461,7 @@
                 <a:latin typeface="Times New Roman" panose="02020603050405020304" pitchFamily="18" charset="0"/>
                 <a:cs typeface="Times New Roman" panose="02020603050405020304" pitchFamily="18" charset="0"/>
               </a:rPr>
-              <a:t>Dr. Haroon Abadi</a:t>
+              <a:t> Abadi</a:t>
             </a:r>
             <a:br>
               <a:rPr lang="en-US" dirty="0">
@@ -6920,27 +7480,7 @@
                 <a:latin typeface="Times New Roman" panose="02020603050405020304" pitchFamily="18" charset="0"/>
                 <a:cs typeface="Times New Roman" panose="02020603050405020304" pitchFamily="18" charset="0"/>
               </a:rPr>
-              <a:t>Islamic Azad </a:t>
-            </a:r>
-            <a:r>
-              <a:rPr lang="en-US" sz="2400">
-                <a:solidFill>
-                  <a:schemeClr val="bg1"/>
-                </a:solidFill>
-                <a:latin typeface="Times New Roman" panose="02020603050405020304" pitchFamily="18" charset="0"/>
-                <a:cs typeface="Times New Roman" panose="02020603050405020304" pitchFamily="18" charset="0"/>
-              </a:rPr>
-              <a:t>University–Central </a:t>
-            </a:r>
-            <a:r>
-              <a:rPr lang="en-US" sz="2400" dirty="0">
-                <a:solidFill>
-                  <a:schemeClr val="bg1"/>
-                </a:solidFill>
-                <a:latin typeface="Times New Roman" panose="02020603050405020304" pitchFamily="18" charset="0"/>
-                <a:cs typeface="Times New Roman" panose="02020603050405020304" pitchFamily="18" charset="0"/>
-              </a:rPr>
-              <a:t>Branch </a:t>
+              <a:t>Islamic Azad University–Central Branch </a:t>
             </a:r>
             <a:br>
               <a:rPr lang="en-US" dirty="0">
@@ -6973,7 +7513,7 @@
             <a:r>
               <a:rPr lang="en-US" sz="1200" dirty="0">
                 <a:solidFill>
-                  <a:schemeClr val="bg1"/>
+                  <a:srgbClr val="37C0BA"/>
                 </a:solidFill>
                 <a:latin typeface="Times New Roman" panose="02020603050405020304" pitchFamily="18" charset="0"/>
                 <a:cs typeface="Times New Roman" panose="02020603050405020304" pitchFamily="18" charset="0"/>
@@ -6982,7 +7522,7 @@
             </a:r>
             <a:endParaRPr sz="1200" dirty="0">
               <a:solidFill>
-                <a:schemeClr val="bg1"/>
+                <a:srgbClr val="37C0BA"/>
               </a:solidFill>
               <a:latin typeface="Times New Roman" panose="02020603050405020304" pitchFamily="18" charset="0"/>
               <a:cs typeface="Times New Roman" panose="02020603050405020304" pitchFamily="18" charset="0"/>
@@ -7087,6 +7627,8 @@
                 <a:solidFill>
                   <a:srgbClr val="39C0BA"/>
                 </a:solidFill>
+                <a:latin typeface="Times New Roman" panose="02020603050405020304" pitchFamily="18" charset="0"/>
+                <a:cs typeface="Times New Roman" panose="02020603050405020304" pitchFamily="18" charset="0"/>
               </a:rPr>
               <a:t>K</a:t>
             </a:r>
@@ -7095,6 +7637,8 @@
                 <a:solidFill>
                   <a:srgbClr val="39C0BA"/>
                 </a:solidFill>
+                <a:latin typeface="Times New Roman" panose="02020603050405020304" pitchFamily="18" charset="0"/>
+                <a:cs typeface="Times New Roman" panose="02020603050405020304" pitchFamily="18" charset="0"/>
               </a:rPr>
               <a:t>inds</a:t>
             </a:r>
@@ -7103,6 +7647,8 @@
                 <a:solidFill>
                   <a:srgbClr val="39C0BA"/>
                 </a:solidFill>
+                <a:latin typeface="Times New Roman" panose="02020603050405020304" pitchFamily="18" charset="0"/>
+                <a:cs typeface="Times New Roman" panose="02020603050405020304" pitchFamily="18" charset="0"/>
               </a:rPr>
               <a:t> of separation</a:t>
             </a:r>
@@ -7110,6 +7656,8 @@
               <a:solidFill>
                 <a:srgbClr val="39C0BA"/>
               </a:solidFill>
+              <a:latin typeface="Times New Roman" panose="02020603050405020304" pitchFamily="18" charset="0"/>
+              <a:cs typeface="Times New Roman" panose="02020603050405020304" pitchFamily="18" charset="0"/>
             </a:endParaRPr>
           </a:p>
         </p:txBody>
@@ -7146,11 +7694,17 @@
               <a:buNone/>
             </a:pPr>
             <a:r>
-              <a:rPr lang="en-US" sz="1400" b="1" dirty="0"/>
+              <a:rPr lang="en-US" sz="1400" b="1" dirty="0">
+                <a:latin typeface="Times New Roman" panose="02020603050405020304" pitchFamily="18" charset="0"/>
+                <a:cs typeface="Times New Roman" panose="02020603050405020304" pitchFamily="18" charset="0"/>
+              </a:rPr>
               <a:t>1. Functional concerns: </a:t>
             </a:r>
             <a:r>
-              <a:rPr lang="en-US" sz="1400" dirty="0"/>
+              <a:rPr lang="en-US" sz="1400" dirty="0">
+                <a:latin typeface="Times New Roman" panose="02020603050405020304" pitchFamily="18" charset="0"/>
+                <a:cs typeface="Times New Roman" panose="02020603050405020304" pitchFamily="18" charset="0"/>
+              </a:rPr>
               <a:t>which are related to the specific functionality to be included in a system</a:t>
             </a:r>
           </a:p>
@@ -7162,11 +7716,17 @@
               <a:buNone/>
             </a:pPr>
             <a:r>
-              <a:rPr lang="en-US" sz="1400" b="1" dirty="0"/>
+              <a:rPr lang="en-US" sz="1400" b="1" dirty="0">
+                <a:latin typeface="Times New Roman" panose="02020603050405020304" pitchFamily="18" charset="0"/>
+                <a:cs typeface="Times New Roman" panose="02020603050405020304" pitchFamily="18" charset="0"/>
+              </a:rPr>
               <a:t>2. Quality of service concerns: </a:t>
             </a:r>
             <a:r>
-              <a:rPr lang="en-US" sz="1400" dirty="0"/>
+              <a:rPr lang="en-US" sz="1400" dirty="0">
+                <a:latin typeface="Times New Roman" panose="02020603050405020304" pitchFamily="18" charset="0"/>
+                <a:cs typeface="Times New Roman" panose="02020603050405020304" pitchFamily="18" charset="0"/>
+              </a:rPr>
               <a:t>which are related to the non-functional behavior of a system. These include characteristics such as performance, reliability, and availability</a:t>
             </a:r>
           </a:p>
@@ -7178,11 +7738,17 @@
               <a:buNone/>
             </a:pPr>
             <a:r>
-              <a:rPr lang="en-US" sz="1400" b="1" dirty="0"/>
+              <a:rPr lang="en-US" sz="1400" b="1" dirty="0">
+                <a:latin typeface="Times New Roman" panose="02020603050405020304" pitchFamily="18" charset="0"/>
+                <a:cs typeface="Times New Roman" panose="02020603050405020304" pitchFamily="18" charset="0"/>
+              </a:rPr>
               <a:t>3. Policy concerns: </a:t>
             </a:r>
             <a:r>
-              <a:rPr lang="en-US" sz="1400" dirty="0"/>
+              <a:rPr lang="en-US" sz="1400" dirty="0">
+                <a:latin typeface="Times New Roman" panose="02020603050405020304" pitchFamily="18" charset="0"/>
+                <a:cs typeface="Times New Roman" panose="02020603050405020304" pitchFamily="18" charset="0"/>
+              </a:rPr>
               <a:t>which are related to the overall policies that govern the use of a system. Policy concerns include security and safety concerns and concerns related to business rules.</a:t>
             </a:r>
           </a:p>
@@ -7194,11 +7760,17 @@
               <a:buNone/>
             </a:pPr>
             <a:r>
-              <a:rPr lang="en-US" sz="1400" b="1" dirty="0"/>
+              <a:rPr lang="en-US" sz="1400" b="1" dirty="0">
+                <a:latin typeface="Times New Roman" panose="02020603050405020304" pitchFamily="18" charset="0"/>
+                <a:cs typeface="Times New Roman" panose="02020603050405020304" pitchFamily="18" charset="0"/>
+              </a:rPr>
               <a:t>4. System concerns: </a:t>
             </a:r>
             <a:r>
-              <a:rPr lang="en-US" sz="1400" dirty="0"/>
+              <a:rPr lang="en-US" sz="1400" dirty="0">
+                <a:latin typeface="Times New Roman" panose="02020603050405020304" pitchFamily="18" charset="0"/>
+                <a:cs typeface="Times New Roman" panose="02020603050405020304" pitchFamily="18" charset="0"/>
+              </a:rPr>
               <a:t>which are related to attributes of the system as a whole, such as its maintainability or its configurability.</a:t>
             </a:r>
           </a:p>
@@ -7210,11 +7782,17 @@
               <a:buNone/>
             </a:pPr>
             <a:r>
-              <a:rPr lang="en-US" sz="1400" b="1" dirty="0"/>
+              <a:rPr lang="en-US" sz="1400" b="1" dirty="0">
+                <a:latin typeface="Times New Roman" panose="02020603050405020304" pitchFamily="18" charset="0"/>
+                <a:cs typeface="Times New Roman" panose="02020603050405020304" pitchFamily="18" charset="0"/>
+              </a:rPr>
               <a:t>5. Organizational concerns: </a:t>
             </a:r>
             <a:r>
-              <a:rPr lang="en-US" sz="1400" dirty="0"/>
+              <a:rPr lang="en-US" sz="1400" dirty="0">
+                <a:latin typeface="Times New Roman" panose="02020603050405020304" pitchFamily="18" charset="0"/>
+                <a:cs typeface="Times New Roman" panose="02020603050405020304" pitchFamily="18" charset="0"/>
+              </a:rPr>
               <a:t>which are related to organizational goals and priorities</a:t>
             </a:r>
           </a:p>
@@ -7225,7 +7803,10 @@
               </a:lnSpc>
               <a:buNone/>
             </a:pPr>
-            <a:endParaRPr lang="en-US" sz="1400" dirty="0"/>
+            <a:endParaRPr lang="en-US" sz="1400" dirty="0">
+              <a:latin typeface="Times New Roman" panose="02020603050405020304" pitchFamily="18" charset="0"/>
+              <a:cs typeface="Times New Roman" panose="02020603050405020304" pitchFamily="18" charset="0"/>
+            </a:endParaRPr>
           </a:p>
         </p:txBody>
       </p:sp>
@@ -7264,10 +7845,16 @@
               <a:buNone/>
             </a:pPr>
             <a:fld id="{00000000-1234-1234-1234-123412341234}" type="slidenum">
-              <a:rPr lang="en"/>
+              <a:rPr lang="en">
+                <a:latin typeface="Times New Roman" panose="02020603050405020304" pitchFamily="18" charset="0"/>
+                <a:cs typeface="Times New Roman" panose="02020603050405020304" pitchFamily="18" charset="0"/>
+              </a:rPr>
               <a:t>10</a:t>
             </a:fld>
-            <a:endParaRPr/>
+            <a:endParaRPr>
+              <a:latin typeface="Times New Roman" panose="02020603050405020304" pitchFamily="18" charset="0"/>
+              <a:cs typeface="Times New Roman" panose="02020603050405020304" pitchFamily="18" charset="0"/>
+            </a:endParaRPr>
           </a:p>
         </p:txBody>
       </p:sp>
@@ -7327,7 +7914,10 @@
           <a:lstStyle/>
           <a:p>
             <a:r>
-              <a:rPr lang="en-US" dirty="0"/>
+              <a:rPr lang="en-US" dirty="0">
+                <a:latin typeface="Times New Roman" panose="02020603050405020304" pitchFamily="18" charset="0"/>
+                <a:cs typeface="Times New Roman" panose="02020603050405020304" pitchFamily="18" charset="0"/>
+              </a:rPr>
               <a:t>Tangling and Scattering</a:t>
             </a:r>
           </a:p>
@@ -7365,7 +7955,10 @@
               <a:buNone/>
             </a:pPr>
             <a:r>
-              <a:rPr lang="en-US" sz="1400" b="1" dirty="0"/>
+              <a:rPr lang="en-US" sz="1400" b="1" dirty="0">
+                <a:latin typeface="Times New Roman" panose="02020603050405020304" pitchFamily="18" charset="0"/>
+                <a:cs typeface="Times New Roman" panose="02020603050405020304" pitchFamily="18" charset="0"/>
+              </a:rPr>
               <a:t>Tangling</a:t>
             </a:r>
           </a:p>
@@ -7377,11 +7970,17 @@
               <a:buNone/>
             </a:pPr>
             <a:r>
-              <a:rPr lang="en-US" sz="1600" dirty="0"/>
+              <a:rPr lang="en-US" sz="1600" dirty="0">
+                <a:latin typeface="Times New Roman" panose="02020603050405020304" pitchFamily="18" charset="0"/>
+                <a:cs typeface="Times New Roman" panose="02020603050405020304" pitchFamily="18" charset="0"/>
+              </a:rPr>
               <a:t>	“</a:t>
             </a:r>
             <a:r>
-              <a:rPr lang="en-US" sz="1400" dirty="0"/>
+              <a:rPr lang="en-US" sz="1400" dirty="0">
+                <a:latin typeface="Times New Roman" panose="02020603050405020304" pitchFamily="18" charset="0"/>
+                <a:cs typeface="Times New Roman" panose="02020603050405020304" pitchFamily="18" charset="0"/>
+              </a:rPr>
               <a:t>twist together into a confused mass.”</a:t>
             </a:r>
           </a:p>
@@ -7393,7 +7992,10 @@
               <a:buNone/>
             </a:pPr>
             <a:r>
-              <a:rPr lang="en-US" sz="1400" b="1" dirty="0"/>
+              <a:rPr lang="en-US" sz="1400" b="1" dirty="0">
+                <a:latin typeface="Times New Roman" panose="02020603050405020304" pitchFamily="18" charset="0"/>
+                <a:cs typeface="Times New Roman" panose="02020603050405020304" pitchFamily="18" charset="0"/>
+              </a:rPr>
               <a:t>Scattering</a:t>
             </a:r>
           </a:p>
@@ -7405,15 +8007,24 @@
               <a:buNone/>
             </a:pPr>
             <a:r>
-              <a:rPr lang="en-US" sz="1200" dirty="0"/>
+              <a:rPr lang="en-US" sz="1200" dirty="0">
+                <a:latin typeface="Times New Roman" panose="02020603050405020304" pitchFamily="18" charset="0"/>
+                <a:cs typeface="Times New Roman" panose="02020603050405020304" pitchFamily="18" charset="0"/>
+              </a:rPr>
               <a:t>	</a:t>
             </a:r>
             <a:r>
-              <a:rPr lang="en-US" sz="1600" dirty="0"/>
+              <a:rPr lang="en-US" sz="1600" dirty="0">
+                <a:latin typeface="Times New Roman" panose="02020603050405020304" pitchFamily="18" charset="0"/>
+                <a:cs typeface="Times New Roman" panose="02020603050405020304" pitchFamily="18" charset="0"/>
+              </a:rPr>
               <a:t> </a:t>
             </a:r>
             <a:r>
-              <a:rPr lang="en-US" sz="1400" dirty="0"/>
+              <a:rPr lang="en-US" sz="1400" dirty="0">
+                <a:latin typeface="Times New Roman" panose="02020603050405020304" pitchFamily="18" charset="0"/>
+                <a:cs typeface="Times New Roman" panose="02020603050405020304" pitchFamily="18" charset="0"/>
+              </a:rPr>
               <a:t>“throw in various random directions”</a:t>
             </a:r>
           </a:p>
@@ -7424,7 +8035,10 @@
               </a:lnSpc>
               <a:buNone/>
             </a:pPr>
-            <a:endParaRPr lang="en-US" sz="1200" dirty="0"/>
+            <a:endParaRPr lang="en-US" sz="1200" dirty="0">
+              <a:latin typeface="Times New Roman" panose="02020603050405020304" pitchFamily="18" charset="0"/>
+              <a:cs typeface="Times New Roman" panose="02020603050405020304" pitchFamily="18" charset="0"/>
+            </a:endParaRPr>
           </a:p>
           <a:p>
             <a:pPr marL="0" indent="0">
@@ -7433,7 +8047,10 @@
               </a:lnSpc>
               <a:buNone/>
             </a:pPr>
-            <a:endParaRPr lang="en-US" sz="1200" dirty="0"/>
+            <a:endParaRPr lang="en-US" sz="1200" dirty="0">
+              <a:latin typeface="Times New Roman" panose="02020603050405020304" pitchFamily="18" charset="0"/>
+              <a:cs typeface="Times New Roman" panose="02020603050405020304" pitchFamily="18" charset="0"/>
+            </a:endParaRPr>
           </a:p>
           <a:p>
             <a:pPr marL="0" indent="0">
@@ -7443,7 +8060,10 @@
               <a:buNone/>
             </a:pPr>
             <a:r>
-              <a:rPr lang="en-US" sz="1400" dirty="0"/>
+              <a:rPr lang="en-US" sz="1400" dirty="0">
+                <a:latin typeface="Times New Roman" panose="02020603050405020304" pitchFamily="18" charset="0"/>
+                <a:cs typeface="Times New Roman" panose="02020603050405020304" pitchFamily="18" charset="0"/>
+              </a:rPr>
               <a:t>as several changes have to be made, this increases the chances that you will make a mistake and introduce errors into the software.</a:t>
             </a:r>
           </a:p>
@@ -7454,7 +8074,10 @@
               </a:lnSpc>
               <a:buNone/>
             </a:pPr>
-            <a:endParaRPr lang="en-US" sz="1200" dirty="0"/>
+            <a:endParaRPr lang="en-US" sz="1200" dirty="0">
+              <a:latin typeface="Times New Roman" panose="02020603050405020304" pitchFamily="18" charset="0"/>
+              <a:cs typeface="Times New Roman" panose="02020603050405020304" pitchFamily="18" charset="0"/>
+            </a:endParaRPr>
           </a:p>
         </p:txBody>
       </p:sp>
@@ -7493,10 +8116,16 @@
               <a:buNone/>
             </a:pPr>
             <a:fld id="{00000000-1234-1234-1234-123412341234}" type="slidenum">
-              <a:rPr lang="en"/>
+              <a:rPr lang="en">
+                <a:latin typeface="Times New Roman" panose="02020603050405020304" pitchFamily="18" charset="0"/>
+                <a:cs typeface="Times New Roman" panose="02020603050405020304" pitchFamily="18" charset="0"/>
+              </a:rPr>
               <a:t>11</a:t>
             </a:fld>
-            <a:endParaRPr/>
+            <a:endParaRPr>
+              <a:latin typeface="Times New Roman" panose="02020603050405020304" pitchFamily="18" charset="0"/>
+              <a:cs typeface="Times New Roman" panose="02020603050405020304" pitchFamily="18" charset="0"/>
+            </a:endParaRPr>
           </a:p>
         </p:txBody>
       </p:sp>
@@ -7556,7 +8185,10 @@
           <a:lstStyle/>
           <a:p>
             <a:r>
-              <a:rPr lang="en-US" dirty="0"/>
+              <a:rPr lang="en-US" dirty="0">
+                <a:latin typeface="Times New Roman" panose="02020603050405020304" pitchFamily="18" charset="0"/>
+                <a:cs typeface="Times New Roman" panose="02020603050405020304" pitchFamily="18" charset="0"/>
+              </a:rPr>
               <a:t>Deep Dive In Aspect Oriented </a:t>
             </a:r>
           </a:p>
@@ -7601,9 +8233,9 @@
                 <a:solidFill>
                   <a:srgbClr val="2E3037"/>
                 </a:solidFill>
-                <a:latin typeface="Quicksand"/>
+                <a:latin typeface="Times New Roman" panose="02020603050405020304" pitchFamily="18" charset="0"/>
                 <a:ea typeface="Quicksand"/>
-                <a:cs typeface="Quicksand"/>
+                <a:cs typeface="Times New Roman" panose="02020603050405020304" pitchFamily="18" charset="0"/>
                 <a:sym typeface="Quicksand"/>
               </a:rPr>
               <a:t>3</a:t>
@@ -7646,10 +8278,16 @@
               <a:buNone/>
             </a:pPr>
             <a:fld id="{00000000-1234-1234-1234-123412341234}" type="slidenum">
-              <a:rPr lang="en"/>
+              <a:rPr lang="en">
+                <a:latin typeface="Times New Roman" panose="02020603050405020304" pitchFamily="18" charset="0"/>
+                <a:cs typeface="Times New Roman" panose="02020603050405020304" pitchFamily="18" charset="0"/>
+              </a:rPr>
               <a:t>12</a:t>
             </a:fld>
-            <a:endParaRPr/>
+            <a:endParaRPr>
+              <a:latin typeface="Times New Roman" panose="02020603050405020304" pitchFamily="18" charset="0"/>
+              <a:cs typeface="Times New Roman" panose="02020603050405020304" pitchFamily="18" charset="0"/>
+            </a:endParaRPr>
           </a:p>
         </p:txBody>
       </p:sp>
@@ -7709,7 +8347,10 @@
           <a:lstStyle/>
           <a:p>
             <a:r>
-              <a:rPr lang="en-US" dirty="0"/>
+              <a:rPr lang="en-US" dirty="0">
+                <a:latin typeface="Times New Roman" panose="02020603050405020304" pitchFamily="18" charset="0"/>
+                <a:cs typeface="Times New Roman" panose="02020603050405020304" pitchFamily="18" charset="0"/>
+              </a:rPr>
               <a:t>Terminology</a:t>
             </a:r>
           </a:p>
@@ -7744,11 +8385,17 @@
               <a:buNone/>
             </a:pPr>
             <a:r>
-              <a:rPr lang="en-US" sz="1400" b="1" dirty="0"/>
+              <a:rPr lang="en-US" sz="1400" b="1" dirty="0">
+                <a:latin typeface="Times New Roman" panose="02020603050405020304" pitchFamily="18" charset="0"/>
+                <a:cs typeface="Times New Roman" panose="02020603050405020304" pitchFamily="18" charset="0"/>
+              </a:rPr>
               <a:t># advice:</a:t>
             </a:r>
             <a:r>
-              <a:rPr lang="en-US" sz="1400" dirty="0"/>
+              <a:rPr lang="en-US" sz="1400" dirty="0">
+                <a:latin typeface="Times New Roman" panose="02020603050405020304" pitchFamily="18" charset="0"/>
+                <a:cs typeface="Times New Roman" panose="02020603050405020304" pitchFamily="18" charset="0"/>
+              </a:rPr>
               <a:t> The code implementing a concern.</a:t>
             </a:r>
           </a:p>
@@ -7757,22 +8404,37 @@
               <a:buNone/>
             </a:pPr>
             <a:br>
-              <a:rPr lang="en-US" sz="1400" dirty="0"/>
+              <a:rPr lang="en-US" sz="1400" dirty="0">
+                <a:latin typeface="Times New Roman" panose="02020603050405020304" pitchFamily="18" charset="0"/>
+                <a:cs typeface="Times New Roman" panose="02020603050405020304" pitchFamily="18" charset="0"/>
+              </a:rPr>
             </a:br>
             <a:r>
-              <a:rPr lang="en-US" sz="1400" b="1" dirty="0"/>
+              <a:rPr lang="en-US" sz="1400" b="1" dirty="0">
+                <a:latin typeface="Times New Roman" panose="02020603050405020304" pitchFamily="18" charset="0"/>
+                <a:cs typeface="Times New Roman" panose="02020603050405020304" pitchFamily="18" charset="0"/>
+              </a:rPr>
               <a:t>#</a:t>
             </a:r>
             <a:r>
-              <a:rPr lang="en-US" sz="1400" dirty="0"/>
+              <a:rPr lang="en-US" sz="1400" dirty="0">
+                <a:latin typeface="Times New Roman" panose="02020603050405020304" pitchFamily="18" charset="0"/>
+                <a:cs typeface="Times New Roman" panose="02020603050405020304" pitchFamily="18" charset="0"/>
+              </a:rPr>
               <a:t> </a:t>
             </a:r>
             <a:r>
-              <a:rPr lang="en-US" sz="1400" b="1" dirty="0"/>
+              <a:rPr lang="en-US" sz="1400" b="1" dirty="0">
+                <a:latin typeface="Times New Roman" panose="02020603050405020304" pitchFamily="18" charset="0"/>
+                <a:cs typeface="Times New Roman" panose="02020603050405020304" pitchFamily="18" charset="0"/>
+              </a:rPr>
               <a:t>join point:</a:t>
             </a:r>
             <a:r>
-              <a:rPr lang="en-US" sz="1400" dirty="0"/>
+              <a:rPr lang="en-US" sz="1400" dirty="0">
+                <a:latin typeface="Times New Roman" panose="02020603050405020304" pitchFamily="18" charset="0"/>
+                <a:cs typeface="Times New Roman" panose="02020603050405020304" pitchFamily="18" charset="0"/>
+              </a:rPr>
               <a:t> An event in an executing program where the advice associated with an aspect may be executed.</a:t>
             </a:r>
           </a:p>
@@ -7781,22 +8443,37 @@
               <a:buNone/>
             </a:pPr>
             <a:br>
-              <a:rPr lang="en-US" sz="1400" dirty="0"/>
+              <a:rPr lang="en-US" sz="1400" dirty="0">
+                <a:latin typeface="Times New Roman" panose="02020603050405020304" pitchFamily="18" charset="0"/>
+                <a:cs typeface="Times New Roman" panose="02020603050405020304" pitchFamily="18" charset="0"/>
+              </a:rPr>
             </a:br>
             <a:r>
-              <a:rPr lang="en-US" sz="1400" b="1" dirty="0"/>
+              <a:rPr lang="en-US" sz="1400" b="1" dirty="0">
+                <a:latin typeface="Times New Roman" panose="02020603050405020304" pitchFamily="18" charset="0"/>
+                <a:cs typeface="Times New Roman" panose="02020603050405020304" pitchFamily="18" charset="0"/>
+              </a:rPr>
               <a:t>#</a:t>
             </a:r>
             <a:r>
-              <a:rPr lang="en-US" sz="1400" dirty="0"/>
+              <a:rPr lang="en-US" sz="1400" dirty="0">
+                <a:latin typeface="Times New Roman" panose="02020603050405020304" pitchFamily="18" charset="0"/>
+                <a:cs typeface="Times New Roman" panose="02020603050405020304" pitchFamily="18" charset="0"/>
+              </a:rPr>
               <a:t> </a:t>
             </a:r>
             <a:r>
-              <a:rPr lang="en-US" sz="1400" b="1" dirty="0"/>
+              <a:rPr lang="en-US" sz="1400" b="1" dirty="0">
+                <a:latin typeface="Times New Roman" panose="02020603050405020304" pitchFamily="18" charset="0"/>
+                <a:cs typeface="Times New Roman" panose="02020603050405020304" pitchFamily="18" charset="0"/>
+              </a:rPr>
               <a:t>pointcut:</a:t>
             </a:r>
             <a:r>
-              <a:rPr lang="en-US" sz="1400" dirty="0"/>
+              <a:rPr lang="en-US" sz="1400" dirty="0">
+                <a:latin typeface="Times New Roman" panose="02020603050405020304" pitchFamily="18" charset="0"/>
+                <a:cs typeface="Times New Roman" panose="02020603050405020304" pitchFamily="18" charset="0"/>
+              </a:rPr>
               <a:t> A statement, included in an aspect, that defines the join points where the associated aspect advice should be executed.</a:t>
             </a:r>
           </a:p>
@@ -7805,22 +8482,37 @@
               <a:buNone/>
             </a:pPr>
             <a:br>
-              <a:rPr lang="en-US" sz="1400" dirty="0"/>
+              <a:rPr lang="en-US" sz="1400" dirty="0">
+                <a:latin typeface="Times New Roman" panose="02020603050405020304" pitchFamily="18" charset="0"/>
+                <a:cs typeface="Times New Roman" panose="02020603050405020304" pitchFamily="18" charset="0"/>
+              </a:rPr>
             </a:br>
             <a:r>
-              <a:rPr lang="en-US" sz="1400" b="1" dirty="0"/>
+              <a:rPr lang="en-US" sz="1400" b="1" dirty="0">
+                <a:latin typeface="Times New Roman" panose="02020603050405020304" pitchFamily="18" charset="0"/>
+                <a:cs typeface="Times New Roman" panose="02020603050405020304" pitchFamily="18" charset="0"/>
+              </a:rPr>
               <a:t>#</a:t>
             </a:r>
             <a:r>
-              <a:rPr lang="en-US" sz="1400" dirty="0"/>
+              <a:rPr lang="en-US" sz="1400" dirty="0">
+                <a:latin typeface="Times New Roman" panose="02020603050405020304" pitchFamily="18" charset="0"/>
+                <a:cs typeface="Times New Roman" panose="02020603050405020304" pitchFamily="18" charset="0"/>
+              </a:rPr>
               <a:t> </a:t>
             </a:r>
             <a:r>
-              <a:rPr lang="en-US" sz="1400" b="1" dirty="0"/>
+              <a:rPr lang="en-US" sz="1400" b="1" dirty="0">
+                <a:latin typeface="Times New Roman" panose="02020603050405020304" pitchFamily="18" charset="0"/>
+                <a:cs typeface="Times New Roman" panose="02020603050405020304" pitchFamily="18" charset="0"/>
+              </a:rPr>
               <a:t>aspect:</a:t>
             </a:r>
             <a:r>
-              <a:rPr lang="en-US" sz="1400" dirty="0"/>
+              <a:rPr lang="en-US" sz="1400" dirty="0">
+                <a:latin typeface="Times New Roman" panose="02020603050405020304" pitchFamily="18" charset="0"/>
+                <a:cs typeface="Times New Roman" panose="02020603050405020304" pitchFamily="18" charset="0"/>
+              </a:rPr>
               <a:t> A program abstraction that defines a cross-cutting concern. It includes the definition of a pointcut and the advice associated with that concern.</a:t>
             </a:r>
           </a:p>
@@ -7829,22 +8521,37 @@
               <a:buNone/>
             </a:pPr>
             <a:br>
-              <a:rPr lang="en-US" sz="1400" dirty="0"/>
+              <a:rPr lang="en-US" sz="1400" dirty="0">
+                <a:latin typeface="Times New Roman" panose="02020603050405020304" pitchFamily="18" charset="0"/>
+                <a:cs typeface="Times New Roman" panose="02020603050405020304" pitchFamily="18" charset="0"/>
+              </a:rPr>
             </a:br>
             <a:r>
-              <a:rPr lang="en-US" sz="1400" b="1" dirty="0"/>
+              <a:rPr lang="en-US" sz="1400" b="1" dirty="0">
+                <a:latin typeface="Times New Roman" panose="02020603050405020304" pitchFamily="18" charset="0"/>
+                <a:cs typeface="Times New Roman" panose="02020603050405020304" pitchFamily="18" charset="0"/>
+              </a:rPr>
               <a:t>#</a:t>
             </a:r>
             <a:r>
-              <a:rPr lang="en-US" sz="1400" dirty="0"/>
+              <a:rPr lang="en-US" sz="1400" dirty="0">
+                <a:latin typeface="Times New Roman" panose="02020603050405020304" pitchFamily="18" charset="0"/>
+                <a:cs typeface="Times New Roman" panose="02020603050405020304" pitchFamily="18" charset="0"/>
+              </a:rPr>
               <a:t> </a:t>
             </a:r>
             <a:r>
-              <a:rPr lang="en-US" sz="1400" b="1" dirty="0"/>
+              <a:rPr lang="en-US" sz="1400" b="1" dirty="0">
+                <a:latin typeface="Times New Roman" panose="02020603050405020304" pitchFamily="18" charset="0"/>
+                <a:cs typeface="Times New Roman" panose="02020603050405020304" pitchFamily="18" charset="0"/>
+              </a:rPr>
               <a:t>join point model:</a:t>
             </a:r>
             <a:r>
-              <a:rPr lang="en-US" sz="1400" dirty="0"/>
+              <a:rPr lang="en-US" sz="1400" dirty="0">
+                <a:latin typeface="Times New Roman" panose="02020603050405020304" pitchFamily="18" charset="0"/>
+                <a:cs typeface="Times New Roman" panose="02020603050405020304" pitchFamily="18" charset="0"/>
+              </a:rPr>
               <a:t> The set of events that may be referenced in a pointcut.</a:t>
             </a:r>
           </a:p>
@@ -7853,22 +8560,37 @@
               <a:buNone/>
             </a:pPr>
             <a:br>
-              <a:rPr lang="en-US" sz="1400" dirty="0"/>
+              <a:rPr lang="en-US" sz="1400" dirty="0">
+                <a:latin typeface="Times New Roman" panose="02020603050405020304" pitchFamily="18" charset="0"/>
+                <a:cs typeface="Times New Roman" panose="02020603050405020304" pitchFamily="18" charset="0"/>
+              </a:rPr>
             </a:br>
             <a:r>
-              <a:rPr lang="en-US" sz="1400" b="1" dirty="0"/>
+              <a:rPr lang="en-US" sz="1400" b="1" dirty="0">
+                <a:latin typeface="Times New Roman" panose="02020603050405020304" pitchFamily="18" charset="0"/>
+                <a:cs typeface="Times New Roman" panose="02020603050405020304" pitchFamily="18" charset="0"/>
+              </a:rPr>
               <a:t>#</a:t>
             </a:r>
             <a:r>
-              <a:rPr lang="en-US" sz="1400" dirty="0"/>
+              <a:rPr lang="en-US" sz="1400" dirty="0">
+                <a:latin typeface="Times New Roman" panose="02020603050405020304" pitchFamily="18" charset="0"/>
+                <a:cs typeface="Times New Roman" panose="02020603050405020304" pitchFamily="18" charset="0"/>
+              </a:rPr>
               <a:t> </a:t>
             </a:r>
             <a:r>
-              <a:rPr lang="en-US" sz="1400" b="1" dirty="0"/>
+              <a:rPr lang="en-US" sz="1400" b="1" dirty="0">
+                <a:latin typeface="Times New Roman" panose="02020603050405020304" pitchFamily="18" charset="0"/>
+                <a:cs typeface="Times New Roman" panose="02020603050405020304" pitchFamily="18" charset="0"/>
+              </a:rPr>
               <a:t>weaving:</a:t>
             </a:r>
             <a:r>
-              <a:rPr lang="en-US" sz="1400" dirty="0"/>
+              <a:rPr lang="en-US" sz="1400" dirty="0">
+                <a:latin typeface="Times New Roman" panose="02020603050405020304" pitchFamily="18" charset="0"/>
+                <a:cs typeface="Times New Roman" panose="02020603050405020304" pitchFamily="18" charset="0"/>
+              </a:rPr>
               <a:t> The incorporation of advice code at the specified join points by an aspect weaver.</a:t>
             </a:r>
           </a:p>
@@ -7877,9 +8599,15 @@
               <a:buNone/>
             </a:pPr>
             <a:br>
-              <a:rPr lang="en-US" sz="1400" dirty="0"/>
+              <a:rPr lang="en-US" sz="1400" dirty="0">
+                <a:latin typeface="Times New Roman" panose="02020603050405020304" pitchFamily="18" charset="0"/>
+                <a:cs typeface="Times New Roman" panose="02020603050405020304" pitchFamily="18" charset="0"/>
+              </a:rPr>
             </a:br>
-            <a:endParaRPr lang="en-US" sz="1400" dirty="0"/>
+            <a:endParaRPr lang="en-US" sz="1400" dirty="0">
+              <a:latin typeface="Times New Roman" panose="02020603050405020304" pitchFamily="18" charset="0"/>
+              <a:cs typeface="Times New Roman" panose="02020603050405020304" pitchFamily="18" charset="0"/>
+            </a:endParaRPr>
           </a:p>
         </p:txBody>
       </p:sp>
@@ -7918,10 +8646,16 @@
               <a:buNone/>
             </a:pPr>
             <a:fld id="{00000000-1234-1234-1234-123412341234}" type="slidenum">
-              <a:rPr lang="en"/>
+              <a:rPr lang="en">
+                <a:latin typeface="Times New Roman" panose="02020603050405020304" pitchFamily="18" charset="0"/>
+                <a:cs typeface="Times New Roman" panose="02020603050405020304" pitchFamily="18" charset="0"/>
+              </a:rPr>
               <a:t>13</a:t>
             </a:fld>
-            <a:endParaRPr/>
+            <a:endParaRPr>
+              <a:latin typeface="Times New Roman" panose="02020603050405020304" pitchFamily="18" charset="0"/>
+              <a:cs typeface="Times New Roman" panose="02020603050405020304" pitchFamily="18" charset="0"/>
+            </a:endParaRPr>
           </a:p>
         </p:txBody>
       </p:sp>
@@ -7981,7 +8715,10 @@
           <a:lstStyle/>
           <a:p>
             <a:r>
-              <a:rPr lang="en-US" dirty="0"/>
+              <a:rPr lang="en-US" dirty="0">
+                <a:latin typeface="Times New Roman" panose="02020603050405020304" pitchFamily="18" charset="0"/>
+                <a:cs typeface="Times New Roman" panose="02020603050405020304" pitchFamily="18" charset="0"/>
+              </a:rPr>
               <a:t>Terminology In Action</a:t>
             </a:r>
           </a:p>
@@ -8016,7 +8753,10 @@
               <a:buNone/>
             </a:pPr>
             <a:r>
-              <a:rPr lang="en-US" sz="1400" dirty="0"/>
+              <a:rPr lang="en-US" sz="1400" dirty="0">
+                <a:latin typeface="Times New Roman" panose="02020603050405020304" pitchFamily="18" charset="0"/>
+                <a:cs typeface="Times New Roman" panose="02020603050405020304" pitchFamily="18" charset="0"/>
+              </a:rPr>
               <a:t>The meaning of this is that before the execution of any method whose name starts with the string update, followed by any other sequence of characters, the code in the aspect after the pointcut definition should be executed</a:t>
             </a:r>
           </a:p>
@@ -8057,10 +8797,16 @@
               <a:buNone/>
             </a:pPr>
             <a:fld id="{00000000-1234-1234-1234-123412341234}" type="slidenum">
-              <a:rPr lang="en"/>
+              <a:rPr lang="en">
+                <a:latin typeface="Times New Roman" panose="02020603050405020304" pitchFamily="18" charset="0"/>
+                <a:cs typeface="Times New Roman" panose="02020603050405020304" pitchFamily="18" charset="0"/>
+              </a:rPr>
               <a:t>14</a:t>
             </a:fld>
-            <a:endParaRPr/>
+            <a:endParaRPr>
+              <a:latin typeface="Times New Roman" panose="02020603050405020304" pitchFamily="18" charset="0"/>
+              <a:cs typeface="Times New Roman" panose="02020603050405020304" pitchFamily="18" charset="0"/>
+            </a:endParaRPr>
           </a:p>
         </p:txBody>
       </p:sp>
@@ -8150,7 +8896,10 @@
           <a:lstStyle/>
           <a:p>
             <a:r>
-              <a:rPr lang="en-US" dirty="0"/>
+              <a:rPr lang="en-US" dirty="0">
+                <a:latin typeface="Times New Roman" panose="02020603050405020304" pitchFamily="18" charset="0"/>
+                <a:cs typeface="Times New Roman" panose="02020603050405020304" pitchFamily="18" charset="0"/>
+              </a:rPr>
               <a:t>Terminology In Action</a:t>
             </a:r>
           </a:p>
@@ -8185,7 +8934,10 @@
               <a:buNone/>
             </a:pPr>
             <a:r>
-              <a:rPr lang="en-US" sz="1400" dirty="0"/>
+              <a:rPr lang="en-US" sz="1400" dirty="0">
+                <a:latin typeface="Times New Roman" panose="02020603050405020304" pitchFamily="18" charset="0"/>
+                <a:cs typeface="Times New Roman" panose="02020603050405020304" pitchFamily="18" charset="0"/>
+              </a:rPr>
               <a:t>The code to be executed is known as the ‘advice’ and is the implementation of the cross- cutting concern.</a:t>
             </a:r>
           </a:p>
@@ -8226,10 +8978,16 @@
               <a:buNone/>
             </a:pPr>
             <a:fld id="{00000000-1234-1234-1234-123412341234}" type="slidenum">
-              <a:rPr lang="en"/>
+              <a:rPr lang="en">
+                <a:latin typeface="Times New Roman" panose="02020603050405020304" pitchFamily="18" charset="0"/>
+                <a:cs typeface="Times New Roman" panose="02020603050405020304" pitchFamily="18" charset="0"/>
+              </a:rPr>
               <a:t>15</a:t>
             </a:fld>
-            <a:endParaRPr/>
+            <a:endParaRPr>
+              <a:latin typeface="Times New Roman" panose="02020603050405020304" pitchFamily="18" charset="0"/>
+              <a:cs typeface="Times New Roman" panose="02020603050405020304" pitchFamily="18" charset="0"/>
+            </a:endParaRPr>
           </a:p>
         </p:txBody>
       </p:sp>
@@ -8319,7 +9077,10 @@
           <a:lstStyle/>
           <a:p>
             <a:r>
-              <a:rPr lang="en-US" dirty="0"/>
+              <a:rPr lang="en-US" dirty="0">
+                <a:latin typeface="Times New Roman" panose="02020603050405020304" pitchFamily="18" charset="0"/>
+                <a:cs typeface="Times New Roman" panose="02020603050405020304" pitchFamily="18" charset="0"/>
+              </a:rPr>
               <a:t>Terminology In Action</a:t>
             </a:r>
           </a:p>
@@ -8354,14 +9115,23 @@
               <a:buNone/>
             </a:pPr>
             <a:r>
-              <a:rPr lang="en-US" sz="1400" dirty="0"/>
+              <a:rPr lang="en-US" sz="1400" dirty="0">
+                <a:latin typeface="Times New Roman" panose="02020603050405020304" pitchFamily="18" charset="0"/>
+                <a:cs typeface="Times New Roman" panose="02020603050405020304" pitchFamily="18" charset="0"/>
+              </a:rPr>
               <a:t>A join point is an event that occurs during the execution of a program; so, it could be a method call, the initialization of a variable, the updating of a field, </a:t>
             </a:r>
             <a:r>
-              <a:rPr lang="en-US" sz="1400" dirty="0" err="1"/>
+              <a:rPr lang="en-US" sz="1400" dirty="0" err="1">
+                <a:latin typeface="Times New Roman" panose="02020603050405020304" pitchFamily="18" charset="0"/>
+                <a:cs typeface="Times New Roman" panose="02020603050405020304" pitchFamily="18" charset="0"/>
+              </a:rPr>
               <a:t>etc</a:t>
             </a:r>
-            <a:endParaRPr lang="en-US" sz="1400" dirty="0"/>
+            <a:endParaRPr lang="en-US" sz="1400" dirty="0">
+              <a:latin typeface="Times New Roman" panose="02020603050405020304" pitchFamily="18" charset="0"/>
+              <a:cs typeface="Times New Roman" panose="02020603050405020304" pitchFamily="18" charset="0"/>
+            </a:endParaRPr>
           </a:p>
         </p:txBody>
       </p:sp>
@@ -8400,10 +9170,16 @@
               <a:buNone/>
             </a:pPr>
             <a:fld id="{00000000-1234-1234-1234-123412341234}" type="slidenum">
-              <a:rPr lang="en"/>
+              <a:rPr lang="en">
+                <a:latin typeface="Times New Roman" panose="02020603050405020304" pitchFamily="18" charset="0"/>
+                <a:cs typeface="Times New Roman" panose="02020603050405020304" pitchFamily="18" charset="0"/>
+              </a:rPr>
               <a:t>16</a:t>
             </a:fld>
-            <a:endParaRPr/>
+            <a:endParaRPr>
+              <a:latin typeface="Times New Roman" panose="02020603050405020304" pitchFamily="18" charset="0"/>
+              <a:cs typeface="Times New Roman" panose="02020603050405020304" pitchFamily="18" charset="0"/>
+            </a:endParaRPr>
           </a:p>
         </p:txBody>
       </p:sp>
@@ -8493,10 +9269,16 @@
           <a:lstStyle/>
           <a:p>
             <a:r>
-              <a:rPr lang="en-US" b="1" dirty="0"/>
+              <a:rPr lang="en-US" b="1" dirty="0">
+                <a:latin typeface="Times New Roman" panose="02020603050405020304" pitchFamily="18" charset="0"/>
+                <a:cs typeface="Times New Roman" panose="02020603050405020304" pitchFamily="18" charset="0"/>
+              </a:rPr>
               <a:t>types of join points</a:t>
             </a:r>
-            <a:endParaRPr lang="en-US" dirty="0"/>
+            <a:endParaRPr lang="en-US" dirty="0">
+              <a:latin typeface="Times New Roman" panose="02020603050405020304" pitchFamily="18" charset="0"/>
+              <a:cs typeface="Times New Roman" panose="02020603050405020304" pitchFamily="18" charset="0"/>
+            </a:endParaRPr>
           </a:p>
         </p:txBody>
       </p:sp>
@@ -8532,19 +9314,31 @@
               <a:buNone/>
             </a:pPr>
             <a:r>
-              <a:rPr lang="en-US" sz="1400" b="1" dirty="0"/>
+              <a:rPr lang="en-US" sz="1400" b="1" dirty="0">
+                <a:latin typeface="Times New Roman" panose="02020603050405020304" pitchFamily="18" charset="0"/>
+                <a:cs typeface="Times New Roman" panose="02020603050405020304" pitchFamily="18" charset="0"/>
+              </a:rPr>
               <a:t>#</a:t>
             </a:r>
             <a:r>
-              <a:rPr lang="en-US" sz="1400" i="1" dirty="0"/>
+              <a:rPr lang="en-US" sz="1400" i="1" dirty="0">
+                <a:latin typeface="Times New Roman" panose="02020603050405020304" pitchFamily="18" charset="0"/>
+                <a:cs typeface="Times New Roman" panose="02020603050405020304" pitchFamily="18" charset="0"/>
+              </a:rPr>
               <a:t> </a:t>
             </a:r>
             <a:r>
-              <a:rPr lang="en-US" sz="1400" b="1" dirty="0"/>
+              <a:rPr lang="en-US" sz="1400" b="1" dirty="0">
+                <a:latin typeface="Times New Roman" panose="02020603050405020304" pitchFamily="18" charset="0"/>
+                <a:cs typeface="Times New Roman" panose="02020603050405020304" pitchFamily="18" charset="0"/>
+              </a:rPr>
               <a:t>call events:</a:t>
             </a:r>
             <a:r>
-              <a:rPr lang="en-US" sz="1400" dirty="0"/>
+              <a:rPr lang="en-US" sz="1400" dirty="0">
+                <a:latin typeface="Times New Roman" panose="02020603050405020304" pitchFamily="18" charset="0"/>
+                <a:cs typeface="Times New Roman" panose="02020603050405020304" pitchFamily="18" charset="0"/>
+              </a:rPr>
               <a:t> calls to a method or a constructor</a:t>
             </a:r>
           </a:p>
@@ -8556,15 +9350,24 @@
               <a:buNone/>
             </a:pPr>
             <a:r>
-              <a:rPr lang="en-US" sz="1400" b="1" dirty="0"/>
+              <a:rPr lang="en-US" sz="1400" b="1" dirty="0">
+                <a:latin typeface="Times New Roman" panose="02020603050405020304" pitchFamily="18" charset="0"/>
+                <a:cs typeface="Times New Roman" panose="02020603050405020304" pitchFamily="18" charset="0"/>
+              </a:rPr>
               <a:t># execution events:</a:t>
             </a:r>
             <a:r>
-              <a:rPr lang="en-US" sz="1400" i="1" dirty="0"/>
+              <a:rPr lang="en-US" sz="1400" i="1" dirty="0">
+                <a:latin typeface="Times New Roman" panose="02020603050405020304" pitchFamily="18" charset="0"/>
+                <a:cs typeface="Times New Roman" panose="02020603050405020304" pitchFamily="18" charset="0"/>
+              </a:rPr>
               <a:t> </a:t>
             </a:r>
             <a:r>
-              <a:rPr lang="en-US" sz="1400" dirty="0"/>
+              <a:rPr lang="en-US" sz="1400" dirty="0">
+                <a:latin typeface="Times New Roman" panose="02020603050405020304" pitchFamily="18" charset="0"/>
+                <a:cs typeface="Times New Roman" panose="02020603050405020304" pitchFamily="18" charset="0"/>
+              </a:rPr>
               <a:t>the execution of a method or a constructor</a:t>
             </a:r>
           </a:p>
@@ -8576,11 +9379,17 @@
               <a:buNone/>
             </a:pPr>
             <a:r>
-              <a:rPr lang="en-US" sz="1400" b="1" dirty="0"/>
+              <a:rPr lang="en-US" sz="1400" b="1" dirty="0">
+                <a:latin typeface="Times New Roman" panose="02020603050405020304" pitchFamily="18" charset="0"/>
+                <a:cs typeface="Times New Roman" panose="02020603050405020304" pitchFamily="18" charset="0"/>
+              </a:rPr>
               <a:t># initialization events:</a:t>
             </a:r>
             <a:r>
-              <a:rPr lang="en-US" sz="1400" dirty="0"/>
+              <a:rPr lang="en-US" sz="1400" dirty="0">
+                <a:latin typeface="Times New Roman" panose="02020603050405020304" pitchFamily="18" charset="0"/>
+                <a:cs typeface="Times New Roman" panose="02020603050405020304" pitchFamily="18" charset="0"/>
+              </a:rPr>
               <a:t> class or object initialization</a:t>
             </a:r>
           </a:p>
@@ -8592,11 +9401,17 @@
               <a:buNone/>
             </a:pPr>
             <a:r>
-              <a:rPr lang="en-US" sz="1400" b="1" dirty="0"/>
+              <a:rPr lang="en-US" sz="1400" b="1" dirty="0">
+                <a:latin typeface="Times New Roman" panose="02020603050405020304" pitchFamily="18" charset="0"/>
+                <a:cs typeface="Times New Roman" panose="02020603050405020304" pitchFamily="18" charset="0"/>
+              </a:rPr>
               <a:t># data events:</a:t>
             </a:r>
             <a:r>
-              <a:rPr lang="en-US" sz="1400" dirty="0"/>
+              <a:rPr lang="en-US" sz="1400" dirty="0">
+                <a:latin typeface="Times New Roman" panose="02020603050405020304" pitchFamily="18" charset="0"/>
+                <a:cs typeface="Times New Roman" panose="02020603050405020304" pitchFamily="18" charset="0"/>
+              </a:rPr>
               <a:t> accessing or updating of a field</a:t>
             </a:r>
           </a:p>
@@ -8608,11 +9423,17 @@
               <a:buNone/>
             </a:pPr>
             <a:r>
-              <a:rPr lang="en-US" sz="1400" b="1" dirty="0"/>
+              <a:rPr lang="en-US" sz="1400" b="1" dirty="0">
+                <a:latin typeface="Times New Roman" panose="02020603050405020304" pitchFamily="18" charset="0"/>
+                <a:cs typeface="Times New Roman" panose="02020603050405020304" pitchFamily="18" charset="0"/>
+              </a:rPr>
               <a:t># exception events:</a:t>
             </a:r>
             <a:r>
-              <a:rPr lang="en-US" sz="1400" dirty="0"/>
+              <a:rPr lang="en-US" sz="1400" dirty="0">
+                <a:latin typeface="Times New Roman" panose="02020603050405020304" pitchFamily="18" charset="0"/>
+                <a:cs typeface="Times New Roman" panose="02020603050405020304" pitchFamily="18" charset="0"/>
+              </a:rPr>
               <a:t> the handling of an exception</a:t>
             </a:r>
           </a:p>
@@ -8623,7 +9444,10 @@
               </a:lnSpc>
               <a:buNone/>
             </a:pPr>
-            <a:endParaRPr lang="en-US" sz="1400" dirty="0"/>
+            <a:endParaRPr lang="en-US" sz="1400" dirty="0">
+              <a:latin typeface="Times New Roman" panose="02020603050405020304" pitchFamily="18" charset="0"/>
+              <a:cs typeface="Times New Roman" panose="02020603050405020304" pitchFamily="18" charset="0"/>
+            </a:endParaRPr>
           </a:p>
           <a:p>
             <a:pPr marL="38100" indent="0">
@@ -8633,7 +9457,10 @@
               <a:buNone/>
             </a:pPr>
             <a:r>
-              <a:rPr lang="en-US" sz="1400" dirty="0"/>
+              <a:rPr lang="en-US" sz="1400" dirty="0">
+                <a:latin typeface="Times New Roman" panose="02020603050405020304" pitchFamily="18" charset="0"/>
+                <a:cs typeface="Times New Roman" panose="02020603050405020304" pitchFamily="18" charset="0"/>
+              </a:rPr>
               <a:t>A pointcut identifies the specific event(s) (e.g., a call to a named procedure) with which advice should be associated.</a:t>
             </a:r>
           </a:p>
@@ -8644,7 +9471,10 @@
               </a:lnSpc>
               <a:buNone/>
             </a:pPr>
-            <a:endParaRPr lang="en-US" sz="1400" dirty="0"/>
+            <a:endParaRPr lang="en-US" sz="1400" dirty="0">
+              <a:latin typeface="Times New Roman" panose="02020603050405020304" pitchFamily="18" charset="0"/>
+              <a:cs typeface="Times New Roman" panose="02020603050405020304" pitchFamily="18" charset="0"/>
+            </a:endParaRPr>
           </a:p>
         </p:txBody>
       </p:sp>
@@ -8683,10 +9513,16 @@
               <a:buNone/>
             </a:pPr>
             <a:fld id="{00000000-1234-1234-1234-123412341234}" type="slidenum">
-              <a:rPr lang="en"/>
+              <a:rPr lang="en">
+                <a:latin typeface="Times New Roman" panose="02020603050405020304" pitchFamily="18" charset="0"/>
+                <a:cs typeface="Times New Roman" panose="02020603050405020304" pitchFamily="18" charset="0"/>
+              </a:rPr>
               <a:t>17</a:t>
             </a:fld>
-            <a:endParaRPr/>
+            <a:endParaRPr>
+              <a:latin typeface="Times New Roman" panose="02020603050405020304" pitchFamily="18" charset="0"/>
+              <a:cs typeface="Times New Roman" panose="02020603050405020304" pitchFamily="18" charset="0"/>
+            </a:endParaRPr>
           </a:p>
         </p:txBody>
       </p:sp>
@@ -8746,10 +9582,16 @@
           <a:lstStyle/>
           <a:p>
             <a:r>
-              <a:rPr lang="en-US" b="1" dirty="0"/>
-              <a:t>types of join advice</a:t>
-            </a:r>
-            <a:endParaRPr lang="en-US" dirty="0"/>
+              <a:rPr lang="en-US" b="1" dirty="0">
+                <a:latin typeface="Times New Roman" panose="02020603050405020304" pitchFamily="18" charset="0"/>
+                <a:cs typeface="Times New Roman" panose="02020603050405020304" pitchFamily="18" charset="0"/>
+              </a:rPr>
+              <a:t>types of advice</a:t>
+            </a:r>
+            <a:endParaRPr lang="en-US" dirty="0">
+              <a:latin typeface="Times New Roman" panose="02020603050405020304" pitchFamily="18" charset="0"/>
+              <a:cs typeface="Times New Roman" panose="02020603050405020304" pitchFamily="18" charset="0"/>
+            </a:endParaRPr>
           </a:p>
         </p:txBody>
       </p:sp>
@@ -8789,11 +9631,16 @@
                 <a:solidFill>
                   <a:srgbClr val="37C0BA"/>
                 </a:solidFill>
+                <a:latin typeface="Times New Roman" panose="02020603050405020304" pitchFamily="18" charset="0"/>
+                <a:cs typeface="Times New Roman" panose="02020603050405020304" pitchFamily="18" charset="0"/>
               </a:rPr>
               <a:t>1. Advice can be</a:t>
             </a:r>
             <a:r>
-              <a:rPr lang="en-US" sz="1400" dirty="0"/>
+              <a:rPr lang="en-US" sz="1400" dirty="0">
+                <a:latin typeface="Times New Roman" panose="02020603050405020304" pitchFamily="18" charset="0"/>
+                <a:cs typeface="Times New Roman" panose="02020603050405020304" pitchFamily="18" charset="0"/>
+              </a:rPr>
               <a:t> included before the execution of a specific method, a list of named methods, or a list of methods whose names match a pattern specification</a:t>
             </a:r>
           </a:p>
@@ -8808,6 +9655,8 @@
               <a:solidFill>
                 <a:srgbClr val="37C0BA"/>
               </a:solidFill>
+              <a:latin typeface="Times New Roman" panose="02020603050405020304" pitchFamily="18" charset="0"/>
+              <a:cs typeface="Times New Roman" panose="02020603050405020304" pitchFamily="18" charset="0"/>
             </a:endParaRPr>
           </a:p>
           <a:p>
@@ -8822,11 +9671,16 @@
                 <a:solidFill>
                   <a:srgbClr val="37C0BA"/>
                 </a:solidFill>
+                <a:latin typeface="Times New Roman" panose="02020603050405020304" pitchFamily="18" charset="0"/>
+                <a:cs typeface="Times New Roman" panose="02020603050405020304" pitchFamily="18" charset="0"/>
               </a:rPr>
               <a:t>2.</a:t>
             </a:r>
             <a:r>
-              <a:rPr lang="en-US" sz="1400" dirty="0"/>
+              <a:rPr lang="en-US" sz="1400" dirty="0">
+                <a:latin typeface="Times New Roman" panose="02020603050405020304" pitchFamily="18" charset="0"/>
+                <a:cs typeface="Times New Roman" panose="02020603050405020304" pitchFamily="18" charset="0"/>
+              </a:rPr>
               <a:t> </a:t>
             </a:r>
             <a:r>
@@ -8834,11 +9688,16 @@
                 <a:solidFill>
                   <a:srgbClr val="37C0BA"/>
                 </a:solidFill>
+                <a:latin typeface="Times New Roman" panose="02020603050405020304" pitchFamily="18" charset="0"/>
+                <a:cs typeface="Times New Roman" panose="02020603050405020304" pitchFamily="18" charset="0"/>
               </a:rPr>
               <a:t>Advice can be </a:t>
             </a:r>
             <a:r>
-              <a:rPr lang="en-US" sz="1400" dirty="0"/>
+              <a:rPr lang="en-US" sz="1400" dirty="0">
+                <a:latin typeface="Times New Roman" panose="02020603050405020304" pitchFamily="18" charset="0"/>
+                <a:cs typeface="Times New Roman" panose="02020603050405020304" pitchFamily="18" charset="0"/>
+              </a:rPr>
               <a:t>included after the normal or exceptional return from a method.</a:t>
             </a:r>
           </a:p>
@@ -8853,6 +9712,8 @@
               <a:solidFill>
                 <a:srgbClr val="37C0BA"/>
               </a:solidFill>
+              <a:latin typeface="Times New Roman" panose="02020603050405020304" pitchFamily="18" charset="0"/>
+              <a:cs typeface="Times New Roman" panose="02020603050405020304" pitchFamily="18" charset="0"/>
             </a:endParaRPr>
           </a:p>
           <a:p>
@@ -8867,11 +9728,16 @@
                 <a:solidFill>
                   <a:srgbClr val="37C0BA"/>
                 </a:solidFill>
+                <a:latin typeface="Times New Roman" panose="02020603050405020304" pitchFamily="18" charset="0"/>
+                <a:cs typeface="Times New Roman" panose="02020603050405020304" pitchFamily="18" charset="0"/>
               </a:rPr>
               <a:t>3. Advice can be </a:t>
             </a:r>
             <a:r>
-              <a:rPr lang="en-US" sz="1400" dirty="0"/>
+              <a:rPr lang="en-US" sz="1400" dirty="0">
+                <a:latin typeface="Times New Roman" panose="02020603050405020304" pitchFamily="18" charset="0"/>
+                <a:cs typeface="Times New Roman" panose="02020603050405020304" pitchFamily="18" charset="0"/>
+              </a:rPr>
               <a:t>included when a field in an object is modified; you can include advice to monitor or change that field.</a:t>
             </a:r>
           </a:p>
@@ -8912,10 +9778,16 @@
               <a:buNone/>
             </a:pPr>
             <a:fld id="{00000000-1234-1234-1234-123412341234}" type="slidenum">
-              <a:rPr lang="en"/>
+              <a:rPr lang="en">
+                <a:latin typeface="Times New Roman" panose="02020603050405020304" pitchFamily="18" charset="0"/>
+                <a:cs typeface="Times New Roman" panose="02020603050405020304" pitchFamily="18" charset="0"/>
+              </a:rPr>
               <a:t>18</a:t>
             </a:fld>
-            <a:endParaRPr/>
+            <a:endParaRPr>
+              <a:latin typeface="Times New Roman" panose="02020603050405020304" pitchFamily="18" charset="0"/>
+              <a:cs typeface="Times New Roman" panose="02020603050405020304" pitchFamily="18" charset="0"/>
+            </a:endParaRPr>
           </a:p>
         </p:txBody>
       </p:sp>
@@ -8975,7 +9847,10 @@
           <a:lstStyle/>
           <a:p>
             <a:r>
-              <a:rPr lang="en-US" dirty="0"/>
+              <a:rPr lang="en-US" dirty="0">
+                <a:latin typeface="Times New Roman" panose="02020603050405020304" pitchFamily="18" charset="0"/>
+                <a:cs typeface="Times New Roman" panose="02020603050405020304" pitchFamily="18" charset="0"/>
+              </a:rPr>
               <a:t>Software engineering with aspects</a:t>
             </a:r>
           </a:p>
@@ -9020,9 +9895,9 @@
                 <a:solidFill>
                   <a:srgbClr val="2E3037"/>
                 </a:solidFill>
-                <a:latin typeface="Quicksand"/>
+                <a:latin typeface="Times New Roman" panose="02020603050405020304" pitchFamily="18" charset="0"/>
                 <a:ea typeface="Quicksand"/>
-                <a:cs typeface="Quicksand"/>
+                <a:cs typeface="Times New Roman" panose="02020603050405020304" pitchFamily="18" charset="0"/>
                 <a:sym typeface="Quicksand"/>
               </a:rPr>
               <a:t>3</a:t>
@@ -9065,10 +9940,16 @@
               <a:buNone/>
             </a:pPr>
             <a:fld id="{00000000-1234-1234-1234-123412341234}" type="slidenum">
-              <a:rPr lang="en"/>
+              <a:rPr lang="en">
+                <a:latin typeface="Times New Roman" panose="02020603050405020304" pitchFamily="18" charset="0"/>
+                <a:cs typeface="Times New Roman" panose="02020603050405020304" pitchFamily="18" charset="0"/>
+              </a:rPr>
               <a:t>19</a:t>
             </a:fld>
-            <a:endParaRPr/>
+            <a:endParaRPr>
+              <a:latin typeface="Times New Roman" panose="02020603050405020304" pitchFamily="18" charset="0"/>
+              <a:cs typeface="Times New Roman" panose="02020603050405020304" pitchFamily="18" charset="0"/>
+            </a:endParaRPr>
           </a:p>
         </p:txBody>
       </p:sp>
@@ -9137,10 +10018,16 @@
               <a:buNone/>
             </a:pPr>
             <a:r>
-              <a:rPr lang="en" sz="2400"/>
-              <a:t>INSTRUCTIONS FOR USE</a:t>
-            </a:r>
-            <a:endParaRPr sz="2400"/>
+              <a:rPr lang="en" sz="2400" dirty="0">
+                <a:latin typeface="Times New Roman" panose="02020603050405020304" pitchFamily="18" charset="0"/>
+                <a:cs typeface="Times New Roman" panose="02020603050405020304" pitchFamily="18" charset="0"/>
+              </a:rPr>
+              <a:t>Subjects</a:t>
+            </a:r>
+            <a:endParaRPr sz="2400" dirty="0">
+              <a:latin typeface="Times New Roman" panose="02020603050405020304" pitchFamily="18" charset="0"/>
+              <a:cs typeface="Times New Roman" panose="02020603050405020304" pitchFamily="18" charset="0"/>
+            </a:endParaRPr>
           </a:p>
         </p:txBody>
       </p:sp>
@@ -9152,8 +10039,8 @@
         </p:nvSpPr>
         <p:spPr>
           <a:xfrm>
-            <a:off x="1165475" y="1249820"/>
-            <a:ext cx="3451800" cy="2394000"/>
+            <a:off x="1142675" y="1249820"/>
+            <a:ext cx="3898882" cy="869720"/>
           </a:xfrm>
           <a:prstGeom prst="rect">
             <a:avLst/>
@@ -9169,190 +10056,57 @@
           </a:bodyPr>
           <a:lstStyle/>
           <a:p>
-            <a:pPr marL="0" lvl="0" indent="0" algn="l" rtl="0">
+            <a:pPr lvl="0">
               <a:spcBef>
                 <a:spcPts val="600"/>
               </a:spcBef>
-              <a:spcAft>
-                <a:spcPts val="0"/>
-              </a:spcAft>
-              <a:buNone/>
             </a:pPr>
             <a:r>
               <a:rPr lang="en" sz="1200" b="1" dirty="0">
                 <a:solidFill>
-                  <a:schemeClr val="accent1"/>
+                  <a:srgbClr val="37C0BA"/>
                 </a:solidFill>
-                <a:latin typeface="Quicksand"/>
+                <a:latin typeface="Times New Roman" panose="02020603050405020304" pitchFamily="18" charset="0"/>
+                <a:cs typeface="Times New Roman" panose="02020603050405020304" pitchFamily="18" charset="0"/>
+              </a:rPr>
+              <a:t>1. What is Aspect Oriented Software Development</a:t>
+            </a:r>
+          </a:p>
+          <a:p>
+            <a:pPr lvl="0">
+              <a:spcBef>
+                <a:spcPts val="600"/>
+              </a:spcBef>
+            </a:pPr>
+            <a:r>
+              <a:rPr lang="en-US" sz="1200" dirty="0">
+                <a:solidFill>
+                  <a:schemeClr val="bg1"/>
+                </a:solidFill>
+                <a:latin typeface="Times New Roman" panose="02020603050405020304" pitchFamily="18" charset="0"/>
                 <a:ea typeface="Quicksand"/>
-                <a:cs typeface="Quicksand"/>
+                <a:cs typeface="Times New Roman" panose="02020603050405020304" pitchFamily="18" charset="0"/>
                 <a:sym typeface="Quicksand"/>
               </a:rPr>
-              <a:t>EDIT IN GOOGLE SLIDES</a:t>
-            </a:r>
-            <a:endParaRPr sz="1200" dirty="0">
+              <a:t>Brief history, </a:t>
+            </a:r>
+            <a:r>
+              <a:rPr lang="en-US" sz="1200" dirty="0">
+                <a:solidFill>
+                  <a:schemeClr val="bg1"/>
+                </a:solidFill>
+                <a:latin typeface="Times New Roman" panose="02020603050405020304" pitchFamily="18" charset="0"/>
+                <a:cs typeface="Times New Roman" panose="02020603050405020304" pitchFamily="18" charset="0"/>
+              </a:rPr>
+              <a:t>characteristic, cross cutting</a:t>
+            </a:r>
+            <a:endParaRPr lang="en-US" sz="1200" dirty="0">
               <a:solidFill>
-                <a:schemeClr val="accent1"/>
+                <a:schemeClr val="bg1"/>
               </a:solidFill>
-              <a:latin typeface="Quicksand"/>
+              <a:latin typeface="Times New Roman" panose="02020603050405020304" pitchFamily="18" charset="0"/>
               <a:ea typeface="Quicksand"/>
-              <a:cs typeface="Quicksand"/>
-              <a:sym typeface="Quicksand"/>
-            </a:endParaRPr>
-          </a:p>
-          <a:p>
-            <a:pPr marL="0" lvl="0" indent="0" algn="l" rtl="0">
-              <a:spcBef>
-                <a:spcPts val="600"/>
-              </a:spcBef>
-              <a:spcAft>
-                <a:spcPts val="0"/>
-              </a:spcAft>
-              <a:buClr>
-                <a:schemeClr val="dk1"/>
-              </a:buClr>
-              <a:buSzPts val="1100"/>
-              <a:buFont typeface="Arial"/>
-              <a:buNone/>
-            </a:pPr>
-            <a:r>
-              <a:rPr lang="en" sz="1200" dirty="0">
-                <a:solidFill>
-                  <a:srgbClr val="FFFFFF"/>
-                </a:solidFill>
-                <a:latin typeface="Quicksand"/>
-                <a:ea typeface="Quicksand"/>
-                <a:cs typeface="Quicksand"/>
-                <a:sym typeface="Quicksand"/>
-              </a:rPr>
-              <a:t>Click on the button under the presentation preview that says "Use as Google Slides Theme".</a:t>
-            </a:r>
-            <a:endParaRPr sz="1200" dirty="0">
-              <a:solidFill>
-                <a:srgbClr val="FFFFFF"/>
-              </a:solidFill>
-              <a:latin typeface="Quicksand"/>
-              <a:ea typeface="Quicksand"/>
-              <a:cs typeface="Quicksand"/>
-              <a:sym typeface="Quicksand"/>
-            </a:endParaRPr>
-          </a:p>
-          <a:p>
-            <a:pPr marL="0" lvl="0" indent="0" algn="l" rtl="0">
-              <a:spcBef>
-                <a:spcPts val="600"/>
-              </a:spcBef>
-              <a:spcAft>
-                <a:spcPts val="0"/>
-              </a:spcAft>
-              <a:buClr>
-                <a:schemeClr val="dk1"/>
-              </a:buClr>
-              <a:buSzPts val="1100"/>
-              <a:buFont typeface="Arial"/>
-              <a:buNone/>
-            </a:pPr>
-            <a:r>
-              <a:rPr lang="en" sz="1200" dirty="0">
-                <a:solidFill>
-                  <a:srgbClr val="FFFFFF"/>
-                </a:solidFill>
-                <a:latin typeface="Quicksand"/>
-                <a:ea typeface="Quicksand"/>
-                <a:cs typeface="Quicksand"/>
-                <a:sym typeface="Quicksand"/>
-              </a:rPr>
-              <a:t>You will get a copy of this document on your Google Drive and will be able to edit, add or delete slides.</a:t>
-            </a:r>
-            <a:endParaRPr sz="1200" dirty="0">
-              <a:solidFill>
-                <a:srgbClr val="FFFFFF"/>
-              </a:solidFill>
-              <a:latin typeface="Quicksand"/>
-              <a:ea typeface="Quicksand"/>
-              <a:cs typeface="Quicksand"/>
-              <a:sym typeface="Quicksand"/>
-            </a:endParaRPr>
-          </a:p>
-          <a:p>
-            <a:pPr marL="0" lvl="0" indent="0" algn="l" rtl="0">
-              <a:spcBef>
-                <a:spcPts val="600"/>
-              </a:spcBef>
-              <a:spcAft>
-                <a:spcPts val="0"/>
-              </a:spcAft>
-              <a:buClr>
-                <a:schemeClr val="dk1"/>
-              </a:buClr>
-              <a:buSzPts val="1100"/>
-              <a:buFont typeface="Arial"/>
-              <a:buNone/>
-            </a:pPr>
-            <a:r>
-              <a:rPr lang="en" sz="1200" dirty="0">
-                <a:solidFill>
-                  <a:srgbClr val="FFFFFF"/>
-                </a:solidFill>
-                <a:latin typeface="Quicksand"/>
-                <a:ea typeface="Quicksand"/>
-                <a:cs typeface="Quicksand"/>
-                <a:sym typeface="Quicksand"/>
-              </a:rPr>
-              <a:t>You have to be signed in to your Google account.</a:t>
-            </a:r>
-            <a:endParaRPr sz="1200" dirty="0">
-              <a:solidFill>
-                <a:srgbClr val="FFFFFF"/>
-              </a:solidFill>
-              <a:latin typeface="Quicksand"/>
-              <a:ea typeface="Quicksand"/>
-              <a:cs typeface="Quicksand"/>
-              <a:sym typeface="Quicksand"/>
-            </a:endParaRPr>
-          </a:p>
-          <a:p>
-            <a:pPr marL="0" lvl="0" indent="0" algn="l" rtl="0">
-              <a:spcBef>
-                <a:spcPts val="600"/>
-              </a:spcBef>
-              <a:spcAft>
-                <a:spcPts val="0"/>
-              </a:spcAft>
-              <a:buClr>
-                <a:schemeClr val="dk1"/>
-              </a:buClr>
-              <a:buSzPts val="1100"/>
-              <a:buFont typeface="Arial"/>
-              <a:buNone/>
-            </a:pPr>
-            <a:endParaRPr sz="1200" dirty="0">
-              <a:solidFill>
-                <a:srgbClr val="FFFFFF"/>
-              </a:solidFill>
-              <a:latin typeface="Quicksand"/>
-              <a:ea typeface="Quicksand"/>
-              <a:cs typeface="Quicksand"/>
-              <a:sym typeface="Quicksand"/>
-            </a:endParaRPr>
-          </a:p>
-          <a:p>
-            <a:pPr marL="0" lvl="0" indent="0" algn="l" rtl="0">
-              <a:spcBef>
-                <a:spcPts val="600"/>
-              </a:spcBef>
-              <a:spcAft>
-                <a:spcPts val="0"/>
-              </a:spcAft>
-              <a:buNone/>
-            </a:pPr>
-            <a:endParaRPr sz="1200" dirty="0">
-              <a:solidFill>
-                <a:srgbClr val="FFFFFF"/>
-              </a:solidFill>
-              <a:latin typeface="Quicksand"/>
-              <a:ea typeface="Quicksand"/>
-              <a:cs typeface="Quicksand"/>
+              <a:cs typeface="Times New Roman" panose="02020603050405020304" pitchFamily="18" charset="0"/>
               <a:sym typeface="Quicksand"/>
             </a:endParaRPr>
           </a:p>
@@ -9366,8 +10120,8 @@
         </p:nvSpPr>
         <p:spPr>
           <a:xfrm>
-            <a:off x="5084225" y="1249820"/>
-            <a:ext cx="3602400" cy="2394000"/>
+            <a:off x="1142675" y="2165356"/>
+            <a:ext cx="3602400" cy="869720"/>
           </a:xfrm>
           <a:prstGeom prst="rect">
             <a:avLst/>
@@ -9383,152 +10137,82 @@
           </a:bodyPr>
           <a:lstStyle/>
           <a:p>
-            <a:pPr marL="0" lvl="0" indent="0" algn="l" rtl="0">
+            <a:pPr lvl="0">
               <a:spcBef>
                 <a:spcPts val="600"/>
               </a:spcBef>
-              <a:spcAft>
-                <a:spcPts val="0"/>
-              </a:spcAft>
-              <a:buNone/>
-            </a:pPr>
-            <a:r>
-              <a:rPr lang="en" sz="1200" b="1">
+            </a:pPr>
+            <a:r>
+              <a:rPr lang="en-US" sz="1200" b="1" dirty="0">
                 <a:solidFill>
-                  <a:schemeClr val="accent1"/>
+                  <a:srgbClr val="37C0BA"/>
                 </a:solidFill>
-                <a:latin typeface="Quicksand"/>
+                <a:latin typeface="Times New Roman" panose="02020603050405020304" pitchFamily="18" charset="0"/>
                 <a:ea typeface="Quicksand"/>
-                <a:cs typeface="Quicksand"/>
+                <a:cs typeface="Times New Roman" panose="02020603050405020304" pitchFamily="18" charset="0"/>
                 <a:sym typeface="Quicksand"/>
               </a:rPr>
-              <a:t>EDIT IN POWERPOINT®</a:t>
-            </a:r>
-            <a:endParaRPr sz="1200">
+              <a:t>2. </a:t>
+            </a:r>
+            <a:r>
+              <a:rPr lang="en-US" sz="1200" b="1" dirty="0">
+                <a:solidFill>
+                  <a:srgbClr val="37C0BA"/>
+                </a:solidFill>
+                <a:latin typeface="Times New Roman" panose="02020603050405020304" pitchFamily="18" charset="0"/>
+                <a:cs typeface="Times New Roman" panose="02020603050405020304" pitchFamily="18" charset="0"/>
+              </a:rPr>
+              <a:t>Separation of concerns </a:t>
+            </a:r>
+          </a:p>
+          <a:p>
+            <a:pPr lvl="0">
+              <a:spcBef>
+                <a:spcPts val="600"/>
+              </a:spcBef>
+            </a:pPr>
+            <a:r>
+              <a:rPr lang="en-US" sz="1200" dirty="0">
+                <a:solidFill>
+                  <a:schemeClr val="bg1"/>
+                </a:solidFill>
+                <a:latin typeface="Times New Roman" panose="02020603050405020304" pitchFamily="18" charset="0"/>
+                <a:ea typeface="Quicksand"/>
+                <a:cs typeface="Times New Roman" panose="02020603050405020304" pitchFamily="18" charset="0"/>
+                <a:sym typeface="Quicksand"/>
+              </a:rPr>
+              <a:t>Kinds of separation, Tangling &amp; Scattering</a:t>
+            </a:r>
+            <a:endParaRPr sz="1200" dirty="0">
               <a:solidFill>
-                <a:schemeClr val="accent1"/>
+                <a:schemeClr val="bg1"/>
               </a:solidFill>
-              <a:latin typeface="Quicksand"/>
+              <a:latin typeface="Times New Roman" panose="02020603050405020304" pitchFamily="18" charset="0"/>
               <a:ea typeface="Quicksand"/>
-              <a:cs typeface="Quicksand"/>
+              <a:cs typeface="Times New Roman" panose="02020603050405020304" pitchFamily="18" charset="0"/>
               <a:sym typeface="Quicksand"/>
             </a:endParaRPr>
           </a:p>
-          <a:p>
-            <a:pPr marL="0" lvl="0" indent="0" algn="l" rtl="0">
-              <a:spcBef>
-                <a:spcPts val="600"/>
-              </a:spcBef>
-              <a:spcAft>
-                <a:spcPts val="0"/>
-              </a:spcAft>
-              <a:buNone/>
-            </a:pPr>
-            <a:r>
-              <a:rPr lang="en" sz="1200">
-                <a:solidFill>
-                  <a:srgbClr val="FFFFFF"/>
-                </a:solidFill>
-                <a:latin typeface="Quicksand"/>
-                <a:ea typeface="Quicksand"/>
-                <a:cs typeface="Quicksand"/>
-                <a:sym typeface="Quicksand"/>
-              </a:rPr>
-              <a:t>Click on the button under the presentation preview that says "Download as PowerPoint template". You will get a .pptx file that you can edit in PowerPoint.</a:t>
-            </a:r>
-            <a:endParaRPr sz="1200">
-              <a:solidFill>
-                <a:srgbClr val="FFFFFF"/>
-              </a:solidFill>
-              <a:latin typeface="Quicksand"/>
-              <a:ea typeface="Quicksand"/>
-              <a:cs typeface="Quicksand"/>
-              <a:sym typeface="Quicksand"/>
-            </a:endParaRPr>
-          </a:p>
-          <a:p>
-            <a:pPr marL="0" lvl="0" indent="0" algn="l" rtl="0">
-              <a:spcBef>
-                <a:spcPts val="600"/>
-              </a:spcBef>
-              <a:spcAft>
-                <a:spcPts val="0"/>
-              </a:spcAft>
-              <a:buNone/>
-            </a:pPr>
-            <a:r>
-              <a:rPr lang="en" sz="1200">
-                <a:solidFill>
-                  <a:srgbClr val="FFFFFF"/>
-                </a:solidFill>
-                <a:latin typeface="Quicksand"/>
-                <a:ea typeface="Quicksand"/>
-                <a:cs typeface="Quicksand"/>
-                <a:sym typeface="Quicksand"/>
-              </a:rPr>
-              <a:t>Remember to download and install the fonts used in this presentation (you’ll find the links to the font files needed in the </a:t>
-            </a:r>
-            <a:r>
-              <a:rPr lang="en" sz="1200" u="sng">
-                <a:solidFill>
-                  <a:srgbClr val="FFFFFF"/>
-                </a:solidFill>
-                <a:latin typeface="Quicksand"/>
-                <a:ea typeface="Quicksand"/>
-                <a:cs typeface="Quicksand"/>
-                <a:sym typeface="Quicksand"/>
-                <a:hlinkClick r:id="" action="ppaction://noaction">
-                  <a:extLst>
-                    <a:ext uri="{A12FA001-AC4F-418D-AE19-62706E023703}">
-                      <ahyp:hlinkClr xmlns:ahyp="http://schemas.microsoft.com/office/drawing/2018/hyperlinkcolor" val="tx"/>
-                    </a:ext>
-                  </a:extLst>
-                </a:hlinkClick>
-              </a:rPr>
-              <a:t>Presentation design slide</a:t>
-            </a:r>
-            <a:r>
-              <a:rPr lang="en" sz="1200">
-                <a:solidFill>
-                  <a:srgbClr val="FFFFFF"/>
-                </a:solidFill>
-                <a:latin typeface="Quicksand"/>
-                <a:ea typeface="Quicksand"/>
-                <a:cs typeface="Quicksand"/>
-                <a:sym typeface="Quicksand"/>
-              </a:rPr>
-              <a:t>)</a:t>
-            </a:r>
-            <a:endParaRPr sz="1200">
-              <a:solidFill>
-                <a:srgbClr val="FFFFFF"/>
-              </a:solidFill>
-              <a:latin typeface="Quicksand"/>
-              <a:ea typeface="Quicksand"/>
-              <a:cs typeface="Quicksand"/>
-              <a:sym typeface="Quicksand"/>
-            </a:endParaRPr>
-          </a:p>
         </p:txBody>
       </p:sp>
       <p:sp>
         <p:nvSpPr>
-          <p:cNvPr id="79" name="Google Shape;79;p13"/>
-          <p:cNvSpPr txBox="1"/>
-          <p:nvPr/>
-        </p:nvSpPr>
-        <p:spPr>
-          <a:xfrm>
-            <a:off x="1165475" y="3672394"/>
-            <a:ext cx="7521300" cy="619800"/>
+          <p:cNvPr id="80" name="Google Shape;80;p13"/>
+          <p:cNvSpPr txBox="1">
+            <a:spLocks noGrp="1"/>
+          </p:cNvSpPr>
+          <p:nvPr>
+            <p:ph type="sldNum" idx="12"/>
+          </p:nvPr>
+        </p:nvSpPr>
+        <p:spPr>
+          <a:xfrm>
+            <a:off x="8523157" y="4752131"/>
+            <a:ext cx="548700" cy="315300"/>
           </a:xfrm>
           <a:prstGeom prst="rect">
             <a:avLst/>
           </a:prstGeom>
-          <a:noFill/>
-          <a:ln>
-            <a:noFill/>
-          </a:ln>
         </p:spPr>
         <p:txBody>
           <a:bodyPr spcFirstLastPara="1" wrap="square" lIns="91425" tIns="91425" rIns="91425" bIns="91425" anchor="t" anchorCtr="0">
@@ -9536,179 +10220,53 @@
           </a:bodyPr>
           <a:lstStyle/>
           <a:p>
-            <a:pPr marL="0" lvl="0" indent="0" algn="l" rtl="0">
-              <a:spcBef>
-                <a:spcPts val="1000"/>
-              </a:spcBef>
-              <a:spcAft>
-                <a:spcPts val="0"/>
-              </a:spcAft>
-              <a:buNone/>
-            </a:pPr>
-            <a:r>
-              <a:rPr lang="en" sz="1200" b="1">
-                <a:solidFill>
-                  <a:srgbClr val="FFFFFF"/>
-                </a:solidFill>
-                <a:latin typeface="Quicksand"/>
-                <a:ea typeface="Quicksand"/>
-                <a:cs typeface="Quicksand"/>
-                <a:sym typeface="Quicksand"/>
-              </a:rPr>
-              <a:t>More info on how to use this template at </a:t>
-            </a:r>
-            <a:r>
-              <a:rPr lang="en" sz="1200" b="1" u="sng">
-                <a:solidFill>
-                  <a:srgbClr val="FFFFFF"/>
-                </a:solidFill>
-                <a:latin typeface="Quicksand"/>
-                <a:ea typeface="Quicksand"/>
-                <a:cs typeface="Quicksand"/>
-                <a:sym typeface="Quicksand"/>
-                <a:hlinkClick r:id="rId3">
-                  <a:extLst>
-                    <a:ext uri="{A12FA001-AC4F-418D-AE19-62706E023703}">
-                      <ahyp:hlinkClr xmlns:ahyp="http://schemas.microsoft.com/office/drawing/2018/hyperlinkcolor" val="tx"/>
-                    </a:ext>
-                  </a:extLst>
-                </a:hlinkClick>
-              </a:rPr>
-              <a:t>www.slidescarnival.com/help-use-presentation-template</a:t>
-            </a:r>
-            <a:endParaRPr sz="1200" b="1">
-              <a:solidFill>
-                <a:srgbClr val="FFFFFF"/>
-              </a:solidFill>
-              <a:latin typeface="Quicksand"/>
-              <a:ea typeface="Quicksand"/>
-              <a:cs typeface="Quicksand"/>
-              <a:sym typeface="Quicksand"/>
+            <a:pPr marL="0" lvl="0" indent="0" algn="r" rtl="0">
+              <a:spcBef>
+                <a:spcPts val="0"/>
+              </a:spcBef>
+              <a:spcAft>
+                <a:spcPts val="0"/>
+              </a:spcAft>
+              <a:buNone/>
+            </a:pPr>
+            <a:fld id="{00000000-1234-1234-1234-123412341234}" type="slidenum">
+              <a:rPr lang="en">
+                <a:latin typeface="Times New Roman" panose="02020603050405020304" pitchFamily="18" charset="0"/>
+                <a:cs typeface="Times New Roman" panose="02020603050405020304" pitchFamily="18" charset="0"/>
+              </a:rPr>
+              <a:t>2</a:t>
+            </a:fld>
+            <a:endParaRPr>
+              <a:latin typeface="Times New Roman" panose="02020603050405020304" pitchFamily="18" charset="0"/>
+              <a:cs typeface="Times New Roman" panose="02020603050405020304" pitchFamily="18" charset="0"/>
             </a:endParaRPr>
           </a:p>
-          <a:p>
-            <a:pPr marL="0" lvl="0" indent="0" algn="l" rtl="0">
-              <a:spcBef>
-                <a:spcPts val="1000"/>
-              </a:spcBef>
-              <a:spcAft>
-                <a:spcPts val="0"/>
-              </a:spcAft>
-              <a:buNone/>
-            </a:pPr>
-            <a:r>
-              <a:rPr lang="en" sz="1200">
-                <a:solidFill>
-                  <a:srgbClr val="FFFFFF"/>
-                </a:solidFill>
-                <a:latin typeface="Quicksand"/>
-                <a:ea typeface="Quicksand"/>
-                <a:cs typeface="Quicksand"/>
-                <a:sym typeface="Quicksand"/>
-              </a:rPr>
-              <a:t>This template is free to use under </a:t>
-            </a:r>
-            <a:r>
-              <a:rPr lang="en" sz="1200" u="sng">
-                <a:solidFill>
-                  <a:srgbClr val="FFFFFF"/>
-                </a:solidFill>
-                <a:latin typeface="Quicksand"/>
-                <a:ea typeface="Quicksand"/>
-                <a:cs typeface="Quicksand"/>
-                <a:sym typeface="Quicksand"/>
-                <a:hlinkClick r:id="rId4">
-                  <a:extLst>
-                    <a:ext uri="{A12FA001-AC4F-418D-AE19-62706E023703}">
-                      <ahyp:hlinkClr xmlns:ahyp="http://schemas.microsoft.com/office/drawing/2018/hyperlinkcolor" val="tx"/>
-                    </a:ext>
-                  </a:extLst>
-                </a:hlinkClick>
-              </a:rPr>
-              <a:t>Creative Commons Attribution license</a:t>
-            </a:r>
-            <a:r>
-              <a:rPr lang="en" sz="1200">
-                <a:solidFill>
-                  <a:srgbClr val="FFFFFF"/>
-                </a:solidFill>
-                <a:latin typeface="Quicksand"/>
-                <a:ea typeface="Quicksand"/>
-                <a:cs typeface="Quicksand"/>
-                <a:sym typeface="Quicksand"/>
-              </a:rPr>
-              <a:t>. You can keep the Credits slide or mention SlidesCarnival and other resources used in a slide footer.</a:t>
-            </a:r>
-            <a:endParaRPr sz="1200">
-              <a:solidFill>
-                <a:srgbClr val="FFFFFF"/>
-              </a:solidFill>
-              <a:latin typeface="Quicksand"/>
-              <a:ea typeface="Quicksand"/>
-              <a:cs typeface="Quicksand"/>
-              <a:sym typeface="Quicksand"/>
-            </a:endParaRPr>
-          </a:p>
-          <a:p>
-            <a:pPr marL="0" lvl="0" indent="0" algn="l" rtl="0">
-              <a:spcBef>
-                <a:spcPts val="1000"/>
-              </a:spcBef>
-              <a:spcAft>
-                <a:spcPts val="0"/>
-              </a:spcAft>
-              <a:buNone/>
-            </a:pPr>
-            <a:endParaRPr sz="1200">
-              <a:solidFill>
-                <a:srgbClr val="FFFFFF"/>
-              </a:solidFill>
-              <a:latin typeface="Quicksand"/>
-              <a:ea typeface="Quicksand"/>
-              <a:cs typeface="Quicksand"/>
-              <a:sym typeface="Quicksand"/>
-            </a:endParaRPr>
-          </a:p>
-          <a:p>
-            <a:pPr marL="0" lvl="0" indent="0" algn="l" rtl="0">
-              <a:spcBef>
-                <a:spcPts val="1000"/>
-              </a:spcBef>
-              <a:spcAft>
-                <a:spcPts val="1000"/>
-              </a:spcAft>
-              <a:buNone/>
-            </a:pPr>
-            <a:endParaRPr sz="1200">
-              <a:solidFill>
-                <a:srgbClr val="FFFFFF"/>
-              </a:solidFill>
-              <a:latin typeface="Quicksand"/>
-              <a:ea typeface="Quicksand"/>
-              <a:cs typeface="Quicksand"/>
-              <a:sym typeface="Quicksand"/>
-            </a:endParaRPr>
-          </a:p>
         </p:txBody>
       </p:sp>
       <p:sp>
         <p:nvSpPr>
-          <p:cNvPr id="80" name="Google Shape;80;p13"/>
-          <p:cNvSpPr txBox="1">
-            <a:spLocks noGrp="1"/>
-          </p:cNvSpPr>
-          <p:nvPr>
-            <p:ph type="sldNum" idx="12"/>
-          </p:nvPr>
-        </p:nvSpPr>
-        <p:spPr>
-          <a:xfrm>
-            <a:off x="8523157" y="4752131"/>
-            <a:ext cx="548700" cy="315300"/>
+          <p:cNvPr id="8" name="Google Shape;78;p13">
+            <a:extLst>
+              <a:ext uri="{FF2B5EF4-FFF2-40B4-BE49-F238E27FC236}">
+                <a16:creationId xmlns:a16="http://schemas.microsoft.com/office/drawing/2014/main" id="{F249C875-E76F-7F42-9439-288FD60620E7}"/>
+              </a:ext>
+            </a:extLst>
+          </p:cNvPr>
+          <p:cNvSpPr txBox="1"/>
+          <p:nvPr/>
+        </p:nvSpPr>
+        <p:spPr>
+          <a:xfrm>
+            <a:off x="1165475" y="3023960"/>
+            <a:ext cx="3602400" cy="869720"/>
           </a:xfrm>
           <a:prstGeom prst="rect">
             <a:avLst/>
           </a:prstGeom>
+          <a:noFill/>
+          <a:ln>
+            <a:noFill/>
+          </a:ln>
         </p:spPr>
         <p:txBody>
           <a:bodyPr spcFirstLastPara="1" wrap="square" lIns="91425" tIns="91425" rIns="91425" bIns="91425" anchor="t" anchorCtr="0">
@@ -9716,20 +10274,160 @@
           </a:bodyPr>
           <a:lstStyle/>
           <a:p>
-            <a:pPr marL="0" lvl="0" indent="0" algn="r" rtl="0">
-              <a:spcBef>
-                <a:spcPts val="0"/>
-              </a:spcBef>
-              <a:spcAft>
-                <a:spcPts val="0"/>
-              </a:spcAft>
-              <a:buNone/>
-            </a:pPr>
-            <a:fld id="{00000000-1234-1234-1234-123412341234}" type="slidenum">
-              <a:rPr lang="en"/>
-              <a:t>2</a:t>
-            </a:fld>
-            <a:endParaRPr/>
+            <a:pPr lvl="0">
+              <a:spcBef>
+                <a:spcPts val="600"/>
+              </a:spcBef>
+            </a:pPr>
+            <a:r>
+              <a:rPr lang="en-US" sz="1200" b="1" dirty="0">
+                <a:solidFill>
+                  <a:srgbClr val="37C0BA"/>
+                </a:solidFill>
+                <a:latin typeface="Times New Roman" panose="02020603050405020304" pitchFamily="18" charset="0"/>
+                <a:ea typeface="Quicksand"/>
+                <a:cs typeface="Times New Roman" panose="02020603050405020304" pitchFamily="18" charset="0"/>
+                <a:sym typeface="Quicksand"/>
+              </a:rPr>
+              <a:t>3. </a:t>
+            </a:r>
+            <a:r>
+              <a:rPr lang="en-US" sz="1200" b="1" dirty="0">
+                <a:solidFill>
+                  <a:srgbClr val="37C0BA"/>
+                </a:solidFill>
+                <a:latin typeface="Times New Roman" panose="02020603050405020304" pitchFamily="18" charset="0"/>
+                <a:cs typeface="Times New Roman" panose="02020603050405020304" pitchFamily="18" charset="0"/>
+              </a:rPr>
+              <a:t>Deep Dive In Aspect Oriented </a:t>
+            </a:r>
+          </a:p>
+          <a:p>
+            <a:pPr lvl="0">
+              <a:spcBef>
+                <a:spcPts val="600"/>
+              </a:spcBef>
+            </a:pPr>
+            <a:r>
+              <a:rPr lang="en-US" sz="1200" dirty="0">
+                <a:solidFill>
+                  <a:schemeClr val="bg1"/>
+                </a:solidFill>
+                <a:latin typeface="Times New Roman" panose="02020603050405020304" pitchFamily="18" charset="0"/>
+                <a:ea typeface="Quicksand"/>
+                <a:cs typeface="Times New Roman" panose="02020603050405020304" pitchFamily="18" charset="0"/>
+                <a:sym typeface="Quicksand"/>
+              </a:rPr>
+              <a:t>Terminology, AOSD in action</a:t>
+            </a:r>
+            <a:endParaRPr sz="1200" dirty="0">
+              <a:solidFill>
+                <a:schemeClr val="bg1"/>
+              </a:solidFill>
+              <a:latin typeface="Times New Roman" panose="02020603050405020304" pitchFamily="18" charset="0"/>
+              <a:ea typeface="Quicksand"/>
+              <a:cs typeface="Times New Roman" panose="02020603050405020304" pitchFamily="18" charset="0"/>
+              <a:sym typeface="Quicksand"/>
+            </a:endParaRPr>
+          </a:p>
+        </p:txBody>
+      </p:sp>
+      <p:sp>
+        <p:nvSpPr>
+          <p:cNvPr id="9" name="Google Shape;78;p13">
+            <a:extLst>
+              <a:ext uri="{FF2B5EF4-FFF2-40B4-BE49-F238E27FC236}">
+                <a16:creationId xmlns:a16="http://schemas.microsoft.com/office/drawing/2014/main" id="{A0E04951-17AA-2E43-9853-0DED4D26E067}"/>
+              </a:ext>
+            </a:extLst>
+          </p:cNvPr>
+          <p:cNvSpPr txBox="1"/>
+          <p:nvPr/>
+        </p:nvSpPr>
+        <p:spPr>
+          <a:xfrm>
+            <a:off x="1188275" y="3759030"/>
+            <a:ext cx="3602400" cy="869720"/>
+          </a:xfrm>
+          <a:prstGeom prst="rect">
+            <a:avLst/>
+          </a:prstGeom>
+          <a:noFill/>
+          <a:ln>
+            <a:noFill/>
+          </a:ln>
+        </p:spPr>
+        <p:txBody>
+          <a:bodyPr spcFirstLastPara="1" wrap="square" lIns="91425" tIns="91425" rIns="91425" bIns="91425" anchor="t" anchorCtr="0">
+            <a:noAutofit/>
+          </a:bodyPr>
+          <a:lstStyle/>
+          <a:p>
+            <a:pPr lvl="0">
+              <a:spcBef>
+                <a:spcPts val="600"/>
+              </a:spcBef>
+            </a:pPr>
+            <a:r>
+              <a:rPr lang="en-US" sz="1200" b="1" dirty="0">
+                <a:solidFill>
+                  <a:srgbClr val="37C0BA"/>
+                </a:solidFill>
+                <a:latin typeface="Times New Roman" panose="02020603050405020304" pitchFamily="18" charset="0"/>
+                <a:ea typeface="Quicksand"/>
+                <a:cs typeface="Times New Roman" panose="02020603050405020304" pitchFamily="18" charset="0"/>
+                <a:sym typeface="Quicksand"/>
+              </a:rPr>
+              <a:t>4. </a:t>
+            </a:r>
+            <a:r>
+              <a:rPr lang="en-US" sz="1200" b="1" dirty="0">
+                <a:solidFill>
+                  <a:srgbClr val="37C0BA"/>
+                </a:solidFill>
+                <a:latin typeface="Times New Roman" panose="02020603050405020304" pitchFamily="18" charset="0"/>
+                <a:cs typeface="Times New Roman" panose="02020603050405020304" pitchFamily="18" charset="0"/>
+              </a:rPr>
+              <a:t>Aspect Oriented Design Systems</a:t>
+            </a:r>
+          </a:p>
+          <a:p>
+            <a:pPr lvl="0">
+              <a:spcBef>
+                <a:spcPts val="600"/>
+              </a:spcBef>
+            </a:pPr>
+            <a:r>
+              <a:rPr lang="en-US" sz="1200" dirty="0">
+                <a:solidFill>
+                  <a:schemeClr val="bg1"/>
+                </a:solidFill>
+                <a:latin typeface="Times New Roman" panose="02020603050405020304" pitchFamily="18" charset="0"/>
+                <a:cs typeface="Times New Roman" panose="02020603050405020304" pitchFamily="18" charset="0"/>
+              </a:rPr>
+              <a:t>Steps</a:t>
+            </a:r>
+            <a:r>
+              <a:rPr lang="en-US" sz="1200" dirty="0">
+                <a:solidFill>
+                  <a:schemeClr val="bg1"/>
+                </a:solidFill>
+                <a:latin typeface="Times New Roman" panose="02020603050405020304" pitchFamily="18" charset="0"/>
+                <a:ea typeface="Quicksand"/>
+                <a:cs typeface="Times New Roman" panose="02020603050405020304" pitchFamily="18" charset="0"/>
+                <a:sym typeface="Quicksand"/>
+              </a:rPr>
+              <a:t>, Example</a:t>
+            </a:r>
+            <a:endParaRPr sz="1200" dirty="0">
+              <a:solidFill>
+                <a:schemeClr val="bg1"/>
+              </a:solidFill>
+              <a:latin typeface="Times New Roman" panose="02020603050405020304" pitchFamily="18" charset="0"/>
+              <a:ea typeface="Quicksand"/>
+              <a:cs typeface="Times New Roman" panose="02020603050405020304" pitchFamily="18" charset="0"/>
+              <a:sym typeface="Quicksand"/>
+            </a:endParaRPr>
           </a:p>
         </p:txBody>
       </p:sp>
@@ -9784,10 +10482,16 @@
           <a:lstStyle/>
           <a:p>
             <a:r>
-              <a:rPr lang="en-US" b="1" dirty="0"/>
+              <a:rPr lang="en-US" b="1" dirty="0">
+                <a:latin typeface="Times New Roman" panose="02020603050405020304" pitchFamily="18" charset="0"/>
+                <a:cs typeface="Times New Roman" panose="02020603050405020304" pitchFamily="18" charset="0"/>
+              </a:rPr>
               <a:t>Introduction</a:t>
             </a:r>
-            <a:endParaRPr lang="en-US" dirty="0"/>
+            <a:endParaRPr lang="en-US" dirty="0">
+              <a:latin typeface="Times New Roman" panose="02020603050405020304" pitchFamily="18" charset="0"/>
+              <a:cs typeface="Times New Roman" panose="02020603050405020304" pitchFamily="18" charset="0"/>
+            </a:endParaRPr>
           </a:p>
         </p:txBody>
       </p:sp>
@@ -9823,8 +10527,11 @@
               <a:buNone/>
             </a:pPr>
             <a:r>
-              <a:rPr lang="en-US" sz="1400" dirty="0"/>
-              <a:t>Aspects were originally introduced as a programming language construct but, as I have discussed, the notion of concerns is one that really comes from the system requirements. Therefore, it makes sense to adopt an aspect-oriented approach at all stages of the system development process. In the early stages of software engineering, adopting an aspect-oriented approach means using the notion of separating concerns as a basis for thinking about the requirements and the system design. Identifying and modeling concerns should be part of the requirements engineering and design processes. Aspect-oriented programming languages then provide the technological support to maintain the separation of concerns in your implementation of the system</a:t>
+              <a:rPr lang="en-US" sz="1400" dirty="0">
+                <a:latin typeface="Times New Roman" panose="02020603050405020304" pitchFamily="18" charset="0"/>
+                <a:cs typeface="Times New Roman" panose="02020603050405020304" pitchFamily="18" charset="0"/>
+              </a:rPr>
+              <a:t>Aspects were originally introduced as a programming language construct but, the notion of concerns is one that really comes from the system requirements. Therefore, it makes sense to adopt an aspect-oriented approach at all stages of the system development process. In the early stages of software engineering, adopting an aspect-oriented approach means using the notion of separating concerns as a basis for thinking about the requirements and the system design. Identifying and modeling concerns should be part of the requirements engineering and design processes. Aspect-oriented programming languages then provide the technological support to maintain the separation of concerns in your implementation of the system</a:t>
             </a:r>
           </a:p>
         </p:txBody>
@@ -9864,10 +10571,16 @@
               <a:buNone/>
             </a:pPr>
             <a:fld id="{00000000-1234-1234-1234-123412341234}" type="slidenum">
-              <a:rPr lang="en"/>
+              <a:rPr lang="en">
+                <a:latin typeface="Times New Roman" panose="02020603050405020304" pitchFamily="18" charset="0"/>
+                <a:cs typeface="Times New Roman" panose="02020603050405020304" pitchFamily="18" charset="0"/>
+              </a:rPr>
               <a:t>20</a:t>
             </a:fld>
-            <a:endParaRPr/>
+            <a:endParaRPr>
+              <a:latin typeface="Times New Roman" panose="02020603050405020304" pitchFamily="18" charset="0"/>
+              <a:cs typeface="Times New Roman" panose="02020603050405020304" pitchFamily="18" charset="0"/>
+            </a:endParaRPr>
           </a:p>
         </p:txBody>
       </p:sp>
@@ -9927,7 +10640,10 @@
           <a:lstStyle/>
           <a:p>
             <a:r>
-              <a:rPr lang="en-US" dirty="0"/>
+              <a:rPr lang="en-US" dirty="0">
+                <a:latin typeface="Times New Roman" panose="02020603050405020304" pitchFamily="18" charset="0"/>
+                <a:cs typeface="Times New Roman" panose="02020603050405020304" pitchFamily="18" charset="0"/>
+              </a:rPr>
               <a:t>Concern-oriented requirements engineering</a:t>
             </a:r>
           </a:p>
@@ -9945,8 +10661,8 @@
         </p:nvSpPr>
         <p:spPr>
           <a:xfrm>
-            <a:off x="1165475" y="2045887"/>
-            <a:ext cx="3807808" cy="1798422"/>
+            <a:off x="1165474" y="1216512"/>
+            <a:ext cx="7698439" cy="1798422"/>
           </a:xfrm>
           <a:prstGeom prst="rect">
             <a:avLst/>
@@ -9962,8 +10678,11 @@
               <a:buNone/>
             </a:pPr>
             <a:r>
-              <a:rPr lang="en-US" sz="1400" dirty="0"/>
-              <a:t>A viewpoint-oriented approach to requirements engineering, where each viewpoint represents the requirements of related groups of stakeholders, is one way to separate core and secondary concerns, </a:t>
+              <a:rPr lang="en-US" sz="1400" dirty="0">
+                <a:latin typeface="Times New Roman" panose="02020603050405020304" pitchFamily="18" charset="0"/>
+                <a:cs typeface="Times New Roman" panose="02020603050405020304" pitchFamily="18" charset="0"/>
+              </a:rPr>
+              <a:t>A viewpoint-oriented approach to requirements engineering, where each viewpoint represents the requirements of related groups of stakeholders, is one way to separate core and secondary concerns,</a:t>
             </a:r>
           </a:p>
         </p:txBody>
@@ -10003,10 +10722,16 @@
               <a:buNone/>
             </a:pPr>
             <a:fld id="{00000000-1234-1234-1234-123412341234}" type="slidenum">
-              <a:rPr lang="en"/>
+              <a:rPr lang="en">
+                <a:latin typeface="Times New Roman" panose="02020603050405020304" pitchFamily="18" charset="0"/>
+                <a:cs typeface="Times New Roman" panose="02020603050405020304" pitchFamily="18" charset="0"/>
+              </a:rPr>
               <a:t>21</a:t>
             </a:fld>
-            <a:endParaRPr/>
+            <a:endParaRPr>
+              <a:latin typeface="Times New Roman" panose="02020603050405020304" pitchFamily="18" charset="0"/>
+              <a:cs typeface="Times New Roman" panose="02020603050405020304" pitchFamily="18" charset="0"/>
+            </a:endParaRPr>
           </a:p>
         </p:txBody>
       </p:sp>
@@ -10032,8 +10757,8 @@
         </p:blipFill>
         <p:spPr>
           <a:xfrm>
-            <a:off x="4973283" y="1389570"/>
-            <a:ext cx="3960427" cy="3250728"/>
+            <a:off x="2850291" y="2211531"/>
+            <a:ext cx="3871785" cy="2540600"/>
           </a:xfrm>
           <a:prstGeom prst="rect">
             <a:avLst/>
@@ -10096,7 +10821,10 @@
           <a:lstStyle/>
           <a:p>
             <a:r>
-              <a:rPr lang="en-US" dirty="0"/>
+              <a:rPr lang="en-US" dirty="0">
+                <a:latin typeface="Times New Roman" panose="02020603050405020304" pitchFamily="18" charset="0"/>
+                <a:cs typeface="Times New Roman" panose="02020603050405020304" pitchFamily="18" charset="0"/>
+              </a:rPr>
               <a:t>Aspect-oriented design and programming</a:t>
             </a:r>
           </a:p>
@@ -10114,8 +10842,8 @@
         </p:nvSpPr>
         <p:spPr>
           <a:xfrm>
-            <a:off x="1165475" y="1998582"/>
-            <a:ext cx="3807808" cy="1798422"/>
+            <a:off x="1165475" y="1239415"/>
+            <a:ext cx="7481249" cy="1798422"/>
           </a:xfrm>
           <a:prstGeom prst="rect">
             <a:avLst/>
@@ -10131,7 +10859,10 @@
               <a:buNone/>
             </a:pPr>
             <a:r>
-              <a:rPr lang="en-US" sz="1400" dirty="0"/>
+              <a:rPr lang="en-US" sz="1400" dirty="0">
+                <a:latin typeface="Times New Roman" panose="02020603050405020304" pitchFamily="18" charset="0"/>
+                <a:cs typeface="Times New Roman" panose="02020603050405020304" pitchFamily="18" charset="0"/>
+              </a:rPr>
               <a:t>Aspect-oriented design is the process of designing a system that makes use of aspects to implement the cross-cutting concerns and extensions that are identified during the requirements engineering process.</a:t>
             </a:r>
           </a:p>
@@ -10172,10 +10903,16 @@
               <a:buNone/>
             </a:pPr>
             <a:fld id="{00000000-1234-1234-1234-123412341234}" type="slidenum">
-              <a:rPr lang="en"/>
+              <a:rPr lang="en">
+                <a:latin typeface="Times New Roman" panose="02020603050405020304" pitchFamily="18" charset="0"/>
+                <a:cs typeface="Times New Roman" panose="02020603050405020304" pitchFamily="18" charset="0"/>
+              </a:rPr>
               <a:t>22</a:t>
             </a:fld>
-            <a:endParaRPr/>
+            <a:endParaRPr>
+              <a:latin typeface="Times New Roman" panose="02020603050405020304" pitchFamily="18" charset="0"/>
+              <a:cs typeface="Times New Roman" panose="02020603050405020304" pitchFamily="18" charset="0"/>
+            </a:endParaRPr>
           </a:p>
         </p:txBody>
       </p:sp>
@@ -10201,7 +10938,7 @@
         </p:blipFill>
         <p:spPr>
           <a:xfrm>
-            <a:off x="4973283" y="1803834"/>
+            <a:off x="2859644" y="2405933"/>
             <a:ext cx="3845773" cy="2187918"/>
           </a:xfrm>
           <a:prstGeom prst="rect">
@@ -10213,6 +10950,927 @@
     <p:extLst>
       <p:ext uri="{BB962C8B-B14F-4D97-AF65-F5344CB8AC3E}">
         <p14:creationId xmlns:p14="http://schemas.microsoft.com/office/powerpoint/2010/main" val="603494706"/>
+      </p:ext>
+    </p:extLst>
+  </p:cSld>
+  <p:clrMapOvr>
+    <a:masterClrMapping/>
+  </p:clrMapOvr>
+</p:sld>
+</file>
+
+<file path=ppt/slides/slide23.xml><?xml version="1.0" encoding="utf-8"?>
+<p:sld xmlns:a="http://schemas.openxmlformats.org/drawingml/2006/main" xmlns:r="http://schemas.openxmlformats.org/officeDocument/2006/relationships" xmlns:p="http://schemas.openxmlformats.org/presentationml/2006/main">
+  <p:cSld>
+    <p:spTree>
+      <p:nvGrpSpPr>
+        <p:cNvPr id="1" name="Shape 107"/>
+        <p:cNvGrpSpPr/>
+        <p:nvPr/>
+      </p:nvGrpSpPr>
+      <p:grpSpPr>
+        <a:xfrm>
+          <a:off x="0" y="0"/>
+          <a:ext cx="0" cy="0"/>
+          <a:chOff x="0" y="0"/>
+          <a:chExt cx="0" cy="0"/>
+        </a:xfrm>
+      </p:grpSpPr>
+      <p:sp>
+        <p:nvSpPr>
+          <p:cNvPr id="108" name="Google Shape;108;p17"/>
+          <p:cNvSpPr txBox="1">
+            <a:spLocks noGrp="1"/>
+          </p:cNvSpPr>
+          <p:nvPr>
+            <p:ph type="title"/>
+          </p:nvPr>
+        </p:nvSpPr>
+        <p:spPr>
+          <a:xfrm>
+            <a:off x="1165475" y="549649"/>
+            <a:ext cx="6858000" cy="345000"/>
+          </a:xfrm>
+          <a:prstGeom prst="rect">
+            <a:avLst/>
+          </a:prstGeom>
+        </p:spPr>
+        <p:txBody>
+          <a:bodyPr spcFirstLastPara="1" wrap="square" lIns="91425" tIns="91425" rIns="91425" bIns="91425" anchor="b" anchorCtr="0">
+            <a:noAutofit/>
+          </a:bodyPr>
+          <a:lstStyle/>
+          <a:p>
+            <a:r>
+              <a:rPr lang="en-US" dirty="0">
+                <a:latin typeface="Times New Roman" panose="02020603050405020304" pitchFamily="18" charset="0"/>
+                <a:cs typeface="Times New Roman" panose="02020603050405020304" pitchFamily="18" charset="0"/>
+              </a:rPr>
+              <a:t>Verification and validation</a:t>
+            </a:r>
+          </a:p>
+        </p:txBody>
+      </p:sp>
+      <p:sp>
+        <p:nvSpPr>
+          <p:cNvPr id="109" name="Google Shape;109;p17"/>
+          <p:cNvSpPr txBox="1">
+            <a:spLocks noGrp="1"/>
+          </p:cNvSpPr>
+          <p:nvPr>
+            <p:ph type="body" idx="1"/>
+          </p:nvPr>
+        </p:nvSpPr>
+        <p:spPr>
+          <a:xfrm>
+            <a:off x="1165475" y="1306603"/>
+            <a:ext cx="7813768" cy="1107083"/>
+          </a:xfrm>
+          <a:prstGeom prst="rect">
+            <a:avLst/>
+          </a:prstGeom>
+        </p:spPr>
+        <p:txBody>
+          <a:bodyPr spcFirstLastPara="1" wrap="square" lIns="91425" tIns="91425" rIns="91425" bIns="91425" anchor="t" anchorCtr="0">
+            <a:noAutofit/>
+          </a:bodyPr>
+          <a:lstStyle/>
+          <a:p>
+            <a:pPr marL="38100" indent="0">
+              <a:buNone/>
+            </a:pPr>
+            <a:r>
+              <a:rPr lang="en-US" sz="1400" dirty="0">
+                <a:latin typeface="Times New Roman" panose="02020603050405020304" pitchFamily="18" charset="0"/>
+                <a:cs typeface="Times New Roman" panose="02020603050405020304" pitchFamily="18" charset="0"/>
+              </a:rPr>
+              <a:t>For aspect-oriented systems, the processes of validation testing are no different than for any other system. The final executable program is treated as a black box and tests are devised to show whether or not the system meets its requirements.</a:t>
+            </a:r>
+          </a:p>
+        </p:txBody>
+      </p:sp>
+      <p:sp>
+        <p:nvSpPr>
+          <p:cNvPr id="110" name="Google Shape;110;p17"/>
+          <p:cNvSpPr txBox="1">
+            <a:spLocks noGrp="1"/>
+          </p:cNvSpPr>
+          <p:nvPr>
+            <p:ph type="sldNum" idx="12"/>
+          </p:nvPr>
+        </p:nvSpPr>
+        <p:spPr>
+          <a:xfrm>
+            <a:off x="8523157" y="4752131"/>
+            <a:ext cx="548700" cy="315300"/>
+          </a:xfrm>
+          <a:prstGeom prst="rect">
+            <a:avLst/>
+          </a:prstGeom>
+        </p:spPr>
+        <p:txBody>
+          <a:bodyPr spcFirstLastPara="1" wrap="square" lIns="91425" tIns="91425" rIns="91425" bIns="91425" anchor="t" anchorCtr="0">
+            <a:noAutofit/>
+          </a:bodyPr>
+          <a:lstStyle/>
+          <a:p>
+            <a:pPr marL="0" lvl="0" indent="0" algn="r" rtl="0">
+              <a:spcBef>
+                <a:spcPts val="0"/>
+              </a:spcBef>
+              <a:spcAft>
+                <a:spcPts val="0"/>
+              </a:spcAft>
+              <a:buNone/>
+            </a:pPr>
+            <a:fld id="{00000000-1234-1234-1234-123412341234}" type="slidenum">
+              <a:rPr lang="en">
+                <a:latin typeface="Times New Roman" panose="02020603050405020304" pitchFamily="18" charset="0"/>
+                <a:cs typeface="Times New Roman" panose="02020603050405020304" pitchFamily="18" charset="0"/>
+              </a:rPr>
+              <a:t>23</a:t>
+            </a:fld>
+            <a:endParaRPr>
+              <a:latin typeface="Times New Roman" panose="02020603050405020304" pitchFamily="18" charset="0"/>
+              <a:cs typeface="Times New Roman" panose="02020603050405020304" pitchFamily="18" charset="0"/>
+            </a:endParaRPr>
+          </a:p>
+        </p:txBody>
+      </p:sp>
+      <p:pic>
+        <p:nvPicPr>
+          <p:cNvPr id="3" name="Picture 2">
+            <a:extLst>
+              <a:ext uri="{FF2B5EF4-FFF2-40B4-BE49-F238E27FC236}">
+                <a16:creationId xmlns:a16="http://schemas.microsoft.com/office/drawing/2014/main" id="{FA0AF104-36A2-824E-B921-4B4AA4048FB7}"/>
+              </a:ext>
+            </a:extLst>
+          </p:cNvPr>
+          <p:cNvPicPr>
+            <a:picLocks noChangeAspect="1"/>
+          </p:cNvPicPr>
+          <p:nvPr/>
+        </p:nvPicPr>
+        <p:blipFill>
+          <a:blip r:embed="rId3"/>
+          <a:stretch>
+            <a:fillRect/>
+          </a:stretch>
+        </p:blipFill>
+        <p:spPr>
+          <a:xfrm>
+            <a:off x="2308475" y="2390256"/>
+            <a:ext cx="4572000" cy="2170025"/>
+          </a:xfrm>
+          <a:prstGeom prst="rect">
+            <a:avLst/>
+          </a:prstGeom>
+        </p:spPr>
+      </p:pic>
+    </p:spTree>
+    <p:extLst>
+      <p:ext uri="{BB962C8B-B14F-4D97-AF65-F5344CB8AC3E}">
+        <p14:creationId xmlns:p14="http://schemas.microsoft.com/office/powerpoint/2010/main" val="3163579631"/>
+      </p:ext>
+    </p:extLst>
+  </p:cSld>
+  <p:clrMapOvr>
+    <a:masterClrMapping/>
+  </p:clrMapOvr>
+</p:sld>
+</file>
+
+<file path=ppt/slides/slide24.xml><?xml version="1.0" encoding="utf-8"?>
+<p:sld xmlns:a="http://schemas.openxmlformats.org/drawingml/2006/main" xmlns:r="http://schemas.openxmlformats.org/officeDocument/2006/relationships" xmlns:p="http://schemas.openxmlformats.org/presentationml/2006/main">
+  <p:cSld>
+    <p:spTree>
+      <p:nvGrpSpPr>
+        <p:cNvPr id="1" name="Shape 93"/>
+        <p:cNvGrpSpPr/>
+        <p:nvPr/>
+      </p:nvGrpSpPr>
+      <p:grpSpPr>
+        <a:xfrm>
+          <a:off x="0" y="0"/>
+          <a:ext cx="0" cy="0"/>
+          <a:chOff x="0" y="0"/>
+          <a:chExt cx="0" cy="0"/>
+        </a:xfrm>
+      </p:grpSpPr>
+      <p:sp>
+        <p:nvSpPr>
+          <p:cNvPr id="94" name="Google Shape;94;p15"/>
+          <p:cNvSpPr txBox="1">
+            <a:spLocks noGrp="1"/>
+          </p:cNvSpPr>
+          <p:nvPr>
+            <p:ph type="ctrTitle"/>
+          </p:nvPr>
+        </p:nvSpPr>
+        <p:spPr>
+          <a:xfrm>
+            <a:off x="1530175" y="2078877"/>
+            <a:ext cx="6767100" cy="985745"/>
+          </a:xfrm>
+          <a:prstGeom prst="rect">
+            <a:avLst/>
+          </a:prstGeom>
+        </p:spPr>
+        <p:txBody>
+          <a:bodyPr spcFirstLastPara="1" wrap="square" lIns="91425" tIns="91425" rIns="91425" bIns="91425" anchor="ctr" anchorCtr="0">
+            <a:noAutofit/>
+          </a:bodyPr>
+          <a:lstStyle/>
+          <a:p>
+            <a:r>
+              <a:rPr lang="en-US" dirty="0">
+                <a:latin typeface="Times New Roman" panose="02020603050405020304" pitchFamily="18" charset="0"/>
+                <a:cs typeface="Times New Roman" panose="02020603050405020304" pitchFamily="18" charset="0"/>
+              </a:rPr>
+              <a:t>Aspect Oriented Design</a:t>
+            </a:r>
+          </a:p>
+        </p:txBody>
+      </p:sp>
+      <p:sp>
+        <p:nvSpPr>
+          <p:cNvPr id="96" name="Google Shape;96;p15"/>
+          <p:cNvSpPr txBox="1"/>
+          <p:nvPr/>
+        </p:nvSpPr>
+        <p:spPr>
+          <a:xfrm>
+            <a:off x="526358" y="2279925"/>
+            <a:ext cx="802500" cy="589800"/>
+          </a:xfrm>
+          <a:prstGeom prst="rect">
+            <a:avLst/>
+          </a:prstGeom>
+          <a:noFill/>
+          <a:ln>
+            <a:noFill/>
+          </a:ln>
+        </p:spPr>
+        <p:txBody>
+          <a:bodyPr spcFirstLastPara="1" wrap="square" lIns="91425" tIns="91425" rIns="91425" bIns="91425" anchor="ctr" anchorCtr="0">
+            <a:noAutofit/>
+          </a:bodyPr>
+          <a:lstStyle/>
+          <a:p>
+            <a:pPr marL="0" lvl="0" indent="0" algn="ctr" rtl="0">
+              <a:spcBef>
+                <a:spcPts val="0"/>
+              </a:spcBef>
+              <a:spcAft>
+                <a:spcPts val="0"/>
+              </a:spcAft>
+              <a:buNone/>
+            </a:pPr>
+            <a:r>
+              <a:rPr lang="en" sz="3000" dirty="0">
+                <a:solidFill>
+                  <a:srgbClr val="2E3037"/>
+                </a:solidFill>
+                <a:latin typeface="Times New Roman" panose="02020603050405020304" pitchFamily="18" charset="0"/>
+                <a:ea typeface="Quicksand"/>
+                <a:cs typeface="Times New Roman" panose="02020603050405020304" pitchFamily="18" charset="0"/>
+                <a:sym typeface="Quicksand"/>
+              </a:rPr>
+              <a:t>4</a:t>
+            </a:r>
+          </a:p>
+        </p:txBody>
+      </p:sp>
+      <p:sp>
+        <p:nvSpPr>
+          <p:cNvPr id="97" name="Google Shape;97;p15"/>
+          <p:cNvSpPr txBox="1">
+            <a:spLocks noGrp="1"/>
+          </p:cNvSpPr>
+          <p:nvPr>
+            <p:ph type="sldNum" idx="12"/>
+          </p:nvPr>
+        </p:nvSpPr>
+        <p:spPr>
+          <a:xfrm>
+            <a:off x="8523157" y="4752131"/>
+            <a:ext cx="548700" cy="315300"/>
+          </a:xfrm>
+          <a:prstGeom prst="rect">
+            <a:avLst/>
+          </a:prstGeom>
+        </p:spPr>
+        <p:txBody>
+          <a:bodyPr spcFirstLastPara="1" wrap="square" lIns="91425" tIns="91425" rIns="91425" bIns="91425" anchor="t" anchorCtr="0">
+            <a:noAutofit/>
+          </a:bodyPr>
+          <a:lstStyle/>
+          <a:p>
+            <a:pPr marL="0" lvl="0" indent="0" algn="r" rtl="0">
+              <a:spcBef>
+                <a:spcPts val="0"/>
+              </a:spcBef>
+              <a:spcAft>
+                <a:spcPts val="0"/>
+              </a:spcAft>
+              <a:buNone/>
+            </a:pPr>
+            <a:fld id="{00000000-1234-1234-1234-123412341234}" type="slidenum">
+              <a:rPr lang="en">
+                <a:latin typeface="Times New Roman" panose="02020603050405020304" pitchFamily="18" charset="0"/>
+                <a:cs typeface="Times New Roman" panose="02020603050405020304" pitchFamily="18" charset="0"/>
+              </a:rPr>
+              <a:t>24</a:t>
+            </a:fld>
+            <a:endParaRPr>
+              <a:latin typeface="Times New Roman" panose="02020603050405020304" pitchFamily="18" charset="0"/>
+              <a:cs typeface="Times New Roman" panose="02020603050405020304" pitchFamily="18" charset="0"/>
+            </a:endParaRPr>
+          </a:p>
+        </p:txBody>
+      </p:sp>
+    </p:spTree>
+    <p:extLst>
+      <p:ext uri="{BB962C8B-B14F-4D97-AF65-F5344CB8AC3E}">
+        <p14:creationId xmlns:p14="http://schemas.microsoft.com/office/powerpoint/2010/main" val="2255638289"/>
+      </p:ext>
+    </p:extLst>
+  </p:cSld>
+  <p:clrMapOvr>
+    <a:masterClrMapping/>
+  </p:clrMapOvr>
+</p:sld>
+</file>
+
+<file path=ppt/slides/slide25.xml><?xml version="1.0" encoding="utf-8"?>
+<p:sld xmlns:a="http://schemas.openxmlformats.org/drawingml/2006/main" xmlns:r="http://schemas.openxmlformats.org/officeDocument/2006/relationships" xmlns:p="http://schemas.openxmlformats.org/presentationml/2006/main">
+  <p:cSld>
+    <p:spTree>
+      <p:nvGrpSpPr>
+        <p:cNvPr id="1" name="Shape 107"/>
+        <p:cNvGrpSpPr/>
+        <p:nvPr/>
+      </p:nvGrpSpPr>
+      <p:grpSpPr>
+        <a:xfrm>
+          <a:off x="0" y="0"/>
+          <a:ext cx="0" cy="0"/>
+          <a:chOff x="0" y="0"/>
+          <a:chExt cx="0" cy="0"/>
+        </a:xfrm>
+      </p:grpSpPr>
+      <p:sp>
+        <p:nvSpPr>
+          <p:cNvPr id="108" name="Google Shape;108;p17"/>
+          <p:cNvSpPr txBox="1">
+            <a:spLocks noGrp="1"/>
+          </p:cNvSpPr>
+          <p:nvPr>
+            <p:ph type="title"/>
+          </p:nvPr>
+        </p:nvSpPr>
+        <p:spPr>
+          <a:xfrm>
+            <a:off x="1165475" y="549649"/>
+            <a:ext cx="6858000" cy="345000"/>
+          </a:xfrm>
+          <a:prstGeom prst="rect">
+            <a:avLst/>
+          </a:prstGeom>
+        </p:spPr>
+        <p:txBody>
+          <a:bodyPr spcFirstLastPara="1" wrap="square" lIns="91425" tIns="91425" rIns="91425" bIns="91425" anchor="b" anchorCtr="0">
+            <a:noAutofit/>
+          </a:bodyPr>
+          <a:lstStyle/>
+          <a:p>
+            <a:r>
+              <a:rPr lang="en-US" dirty="0">
+                <a:latin typeface="Times New Roman" panose="02020603050405020304" pitchFamily="18" charset="0"/>
+                <a:cs typeface="Times New Roman" panose="02020603050405020304" pitchFamily="18" charset="0"/>
+              </a:rPr>
+              <a:t>Steps of design a good aspect oriented program</a:t>
+            </a:r>
+          </a:p>
+        </p:txBody>
+      </p:sp>
+      <p:sp>
+        <p:nvSpPr>
+          <p:cNvPr id="109" name="Google Shape;109;p17"/>
+          <p:cNvSpPr txBox="1">
+            <a:spLocks noGrp="1"/>
+          </p:cNvSpPr>
+          <p:nvPr>
+            <p:ph type="body" idx="1"/>
+          </p:nvPr>
+        </p:nvSpPr>
+        <p:spPr>
+          <a:xfrm>
+            <a:off x="983739" y="828810"/>
+            <a:ext cx="7813768" cy="3923322"/>
+          </a:xfrm>
+          <a:prstGeom prst="rect">
+            <a:avLst/>
+          </a:prstGeom>
+        </p:spPr>
+        <p:txBody>
+          <a:bodyPr spcFirstLastPara="1" wrap="square" lIns="91425" tIns="91425" rIns="91425" bIns="91425" anchor="t" anchorCtr="0">
+            <a:noAutofit/>
+          </a:bodyPr>
+          <a:lstStyle/>
+          <a:p>
+            <a:pPr marL="38100" indent="0">
+              <a:buNone/>
+            </a:pPr>
+            <a:r>
+              <a:rPr lang="en-US" sz="1400" b="1" dirty="0">
+                <a:latin typeface="Times New Roman" panose="02020603050405020304" pitchFamily="18" charset="0"/>
+                <a:cs typeface="Times New Roman" panose="02020603050405020304" pitchFamily="18" charset="0"/>
+              </a:rPr>
+              <a:t>#</a:t>
+            </a:r>
+            <a:r>
+              <a:rPr lang="en-US" sz="1400" dirty="0">
+                <a:latin typeface="Times New Roman" panose="02020603050405020304" pitchFamily="18" charset="0"/>
+                <a:cs typeface="Times New Roman" panose="02020603050405020304" pitchFamily="18" charset="0"/>
+              </a:rPr>
+              <a:t> </a:t>
+            </a:r>
+            <a:r>
+              <a:rPr lang="en-US" sz="1400" b="1" dirty="0">
+                <a:latin typeface="Times New Roman" panose="02020603050405020304" pitchFamily="18" charset="0"/>
+                <a:cs typeface="Times New Roman" panose="02020603050405020304" pitchFamily="18" charset="0"/>
+              </a:rPr>
+              <a:t>Core system design:</a:t>
+            </a:r>
+            <a:r>
+              <a:rPr lang="en-US" sz="1400" dirty="0">
+                <a:latin typeface="Times New Roman" panose="02020603050405020304" pitchFamily="18" charset="0"/>
+                <a:cs typeface="Times New Roman" panose="02020603050405020304" pitchFamily="18" charset="0"/>
+              </a:rPr>
+              <a:t> you design the system architecture to support the core functionality of the system</a:t>
+            </a:r>
+          </a:p>
+          <a:p>
+            <a:pPr marL="38100" indent="0">
+              <a:buNone/>
+            </a:pPr>
+            <a:endParaRPr lang="en-US" sz="1400" dirty="0">
+              <a:latin typeface="Times New Roman" panose="02020603050405020304" pitchFamily="18" charset="0"/>
+              <a:cs typeface="Times New Roman" panose="02020603050405020304" pitchFamily="18" charset="0"/>
+            </a:endParaRPr>
+          </a:p>
+          <a:p>
+            <a:pPr marL="38100" indent="0">
+              <a:buNone/>
+            </a:pPr>
+            <a:r>
+              <a:rPr lang="en-US" sz="1400" b="1" dirty="0">
+                <a:latin typeface="Times New Roman" panose="02020603050405020304" pitchFamily="18" charset="0"/>
+                <a:cs typeface="Times New Roman" panose="02020603050405020304" pitchFamily="18" charset="0"/>
+              </a:rPr>
+              <a:t>#</a:t>
+            </a:r>
+            <a:r>
+              <a:rPr lang="en-US" sz="1400" dirty="0">
+                <a:latin typeface="Times New Roman" panose="02020603050405020304" pitchFamily="18" charset="0"/>
+                <a:cs typeface="Times New Roman" panose="02020603050405020304" pitchFamily="18" charset="0"/>
+              </a:rPr>
+              <a:t> </a:t>
+            </a:r>
+            <a:r>
+              <a:rPr lang="en-US" sz="1400" b="1" dirty="0">
+                <a:latin typeface="Times New Roman" panose="02020603050405020304" pitchFamily="18" charset="0"/>
+                <a:cs typeface="Times New Roman" panose="02020603050405020304" pitchFamily="18" charset="0"/>
+              </a:rPr>
+              <a:t>Aspect identification and design:</a:t>
+            </a:r>
+            <a:r>
+              <a:rPr lang="en-US" sz="1400" dirty="0">
+                <a:latin typeface="Times New Roman" panose="02020603050405020304" pitchFamily="18" charset="0"/>
+                <a:cs typeface="Times New Roman" panose="02020603050405020304" pitchFamily="18" charset="0"/>
+              </a:rPr>
+              <a:t> Starting with the extensions identified in the system requirements, you should analyze these to see if they are aspects in themselves or if they should be broken down into several aspects. </a:t>
+            </a:r>
+          </a:p>
+          <a:p>
+            <a:pPr marL="38100" indent="0">
+              <a:buNone/>
+            </a:pPr>
+            <a:endParaRPr lang="en-US" sz="1400" dirty="0">
+              <a:latin typeface="Times New Roman" panose="02020603050405020304" pitchFamily="18" charset="0"/>
+              <a:cs typeface="Times New Roman" panose="02020603050405020304" pitchFamily="18" charset="0"/>
+            </a:endParaRPr>
+          </a:p>
+          <a:p>
+            <a:pPr marL="38100" indent="0">
+              <a:buNone/>
+            </a:pPr>
+            <a:r>
+              <a:rPr lang="en-US" sz="1400" b="1" dirty="0">
+                <a:latin typeface="Times New Roman" panose="02020603050405020304" pitchFamily="18" charset="0"/>
+                <a:cs typeface="Times New Roman" panose="02020603050405020304" pitchFamily="18" charset="0"/>
+              </a:rPr>
+              <a:t># Composition design:</a:t>
+            </a:r>
+            <a:r>
+              <a:rPr lang="en-US" sz="1400" dirty="0">
+                <a:latin typeface="Times New Roman" panose="02020603050405020304" pitchFamily="18" charset="0"/>
+                <a:cs typeface="Times New Roman" panose="02020603050405020304" pitchFamily="18" charset="0"/>
+              </a:rPr>
+              <a:t> At this stage, you analyze the core system and aspect designs to discover where the aspects should be composed with the core system.</a:t>
+            </a:r>
+          </a:p>
+          <a:p>
+            <a:pPr marL="38100" indent="0">
+              <a:buNone/>
+            </a:pPr>
+            <a:br>
+              <a:rPr lang="en-US" sz="1400" dirty="0">
+                <a:latin typeface="Times New Roman" panose="02020603050405020304" pitchFamily="18" charset="0"/>
+                <a:cs typeface="Times New Roman" panose="02020603050405020304" pitchFamily="18" charset="0"/>
+              </a:rPr>
+            </a:br>
+            <a:r>
+              <a:rPr lang="en-US" sz="1400" b="1" dirty="0">
+                <a:latin typeface="Times New Roman" panose="02020603050405020304" pitchFamily="18" charset="0"/>
+                <a:cs typeface="Times New Roman" panose="02020603050405020304" pitchFamily="18" charset="0"/>
+              </a:rPr>
+              <a:t># Conflict analysis and resolution:</a:t>
+            </a:r>
+            <a:r>
+              <a:rPr lang="en-US" sz="1400" dirty="0">
+                <a:latin typeface="Times New Roman" panose="02020603050405020304" pitchFamily="18" charset="0"/>
+                <a:cs typeface="Times New Roman" panose="02020603050405020304" pitchFamily="18" charset="0"/>
+              </a:rPr>
+              <a:t> A problem with aspects is that they may interfere with each other when they are composed with the core system. </a:t>
+            </a:r>
+          </a:p>
+          <a:p>
+            <a:pPr marL="38100" indent="0">
+              <a:buNone/>
+            </a:pPr>
+            <a:br>
+              <a:rPr lang="en-US" sz="1400" dirty="0">
+                <a:latin typeface="Times New Roman" panose="02020603050405020304" pitchFamily="18" charset="0"/>
+                <a:cs typeface="Times New Roman" panose="02020603050405020304" pitchFamily="18" charset="0"/>
+              </a:rPr>
+            </a:br>
+            <a:r>
+              <a:rPr lang="en-US" sz="1400" b="1" dirty="0">
+                <a:latin typeface="Times New Roman" panose="02020603050405020304" pitchFamily="18" charset="0"/>
+                <a:cs typeface="Times New Roman" panose="02020603050405020304" pitchFamily="18" charset="0"/>
+              </a:rPr>
+              <a:t># Name design:</a:t>
+            </a:r>
+            <a:r>
+              <a:rPr lang="en-US" sz="1400" dirty="0">
+                <a:latin typeface="Times New Roman" panose="02020603050405020304" pitchFamily="18" charset="0"/>
+                <a:cs typeface="Times New Roman" panose="02020603050405020304" pitchFamily="18" charset="0"/>
+              </a:rPr>
+              <a:t> This is an important design activity that defines standards for naming entities in the program. This is essential to avoid the problem of accidental pointcuts. </a:t>
+            </a:r>
+          </a:p>
+        </p:txBody>
+      </p:sp>
+      <p:sp>
+        <p:nvSpPr>
+          <p:cNvPr id="110" name="Google Shape;110;p17"/>
+          <p:cNvSpPr txBox="1">
+            <a:spLocks noGrp="1"/>
+          </p:cNvSpPr>
+          <p:nvPr>
+            <p:ph type="sldNum" idx="12"/>
+          </p:nvPr>
+        </p:nvSpPr>
+        <p:spPr>
+          <a:xfrm>
+            <a:off x="8523157" y="4752131"/>
+            <a:ext cx="548700" cy="315300"/>
+          </a:xfrm>
+          <a:prstGeom prst="rect">
+            <a:avLst/>
+          </a:prstGeom>
+        </p:spPr>
+        <p:txBody>
+          <a:bodyPr spcFirstLastPara="1" wrap="square" lIns="91425" tIns="91425" rIns="91425" bIns="91425" anchor="t" anchorCtr="0">
+            <a:noAutofit/>
+          </a:bodyPr>
+          <a:lstStyle/>
+          <a:p>
+            <a:pPr marL="0" lvl="0" indent="0" algn="r" rtl="0">
+              <a:spcBef>
+                <a:spcPts val="0"/>
+              </a:spcBef>
+              <a:spcAft>
+                <a:spcPts val="0"/>
+              </a:spcAft>
+              <a:buNone/>
+            </a:pPr>
+            <a:fld id="{00000000-1234-1234-1234-123412341234}" type="slidenum">
+              <a:rPr lang="en">
+                <a:latin typeface="Times New Roman" panose="02020603050405020304" pitchFamily="18" charset="0"/>
+                <a:cs typeface="Times New Roman" panose="02020603050405020304" pitchFamily="18" charset="0"/>
+              </a:rPr>
+              <a:t>25</a:t>
+            </a:fld>
+            <a:endParaRPr>
+              <a:latin typeface="Times New Roman" panose="02020603050405020304" pitchFamily="18" charset="0"/>
+              <a:cs typeface="Times New Roman" panose="02020603050405020304" pitchFamily="18" charset="0"/>
+            </a:endParaRPr>
+          </a:p>
+        </p:txBody>
+      </p:sp>
+    </p:spTree>
+    <p:extLst>
+      <p:ext uri="{BB962C8B-B14F-4D97-AF65-F5344CB8AC3E}">
+        <p14:creationId xmlns:p14="http://schemas.microsoft.com/office/powerpoint/2010/main" val="3561581949"/>
+      </p:ext>
+    </p:extLst>
+  </p:cSld>
+  <p:clrMapOvr>
+    <a:masterClrMapping/>
+  </p:clrMapOvr>
+</p:sld>
+</file>
+
+<file path=ppt/slides/slide26.xml><?xml version="1.0" encoding="utf-8"?>
+<p:sld xmlns:a="http://schemas.openxmlformats.org/drawingml/2006/main" xmlns:r="http://schemas.openxmlformats.org/officeDocument/2006/relationships" xmlns:p="http://schemas.openxmlformats.org/presentationml/2006/main">
+  <p:cSld>
+    <p:spTree>
+      <p:nvGrpSpPr>
+        <p:cNvPr id="1" name="Shape 107"/>
+        <p:cNvGrpSpPr/>
+        <p:nvPr/>
+      </p:nvGrpSpPr>
+      <p:grpSpPr>
+        <a:xfrm>
+          <a:off x="0" y="0"/>
+          <a:ext cx="0" cy="0"/>
+          <a:chOff x="0" y="0"/>
+          <a:chExt cx="0" cy="0"/>
+        </a:xfrm>
+      </p:grpSpPr>
+      <p:sp>
+        <p:nvSpPr>
+          <p:cNvPr id="108" name="Google Shape;108;p17"/>
+          <p:cNvSpPr txBox="1">
+            <a:spLocks noGrp="1"/>
+          </p:cNvSpPr>
+          <p:nvPr>
+            <p:ph type="title"/>
+          </p:nvPr>
+        </p:nvSpPr>
+        <p:spPr>
+          <a:xfrm>
+            <a:off x="1165475" y="549649"/>
+            <a:ext cx="6858000" cy="345000"/>
+          </a:xfrm>
+          <a:prstGeom prst="rect">
+            <a:avLst/>
+          </a:prstGeom>
+        </p:spPr>
+        <p:txBody>
+          <a:bodyPr spcFirstLastPara="1" wrap="square" lIns="91425" tIns="91425" rIns="91425" bIns="91425" anchor="b" anchorCtr="0">
+            <a:noAutofit/>
+          </a:bodyPr>
+          <a:lstStyle/>
+          <a:p>
+            <a:r>
+              <a:rPr lang="en-US" dirty="0">
+                <a:latin typeface="Times New Roman" panose="02020603050405020304" pitchFamily="18" charset="0"/>
+                <a:cs typeface="Times New Roman" panose="02020603050405020304" pitchFamily="18" charset="0"/>
+              </a:rPr>
+              <a:t>Steps of design a good aspect oriented program</a:t>
+            </a:r>
+          </a:p>
+        </p:txBody>
+      </p:sp>
+      <p:sp>
+        <p:nvSpPr>
+          <p:cNvPr id="110" name="Google Shape;110;p17"/>
+          <p:cNvSpPr txBox="1">
+            <a:spLocks noGrp="1"/>
+          </p:cNvSpPr>
+          <p:nvPr>
+            <p:ph type="sldNum" idx="12"/>
+          </p:nvPr>
+        </p:nvSpPr>
+        <p:spPr>
+          <a:xfrm>
+            <a:off x="8523157" y="4752131"/>
+            <a:ext cx="548700" cy="315300"/>
+          </a:xfrm>
+          <a:prstGeom prst="rect">
+            <a:avLst/>
+          </a:prstGeom>
+        </p:spPr>
+        <p:txBody>
+          <a:bodyPr spcFirstLastPara="1" wrap="square" lIns="91425" tIns="91425" rIns="91425" bIns="91425" anchor="t" anchorCtr="0">
+            <a:noAutofit/>
+          </a:bodyPr>
+          <a:lstStyle/>
+          <a:p>
+            <a:pPr marL="0" lvl="0" indent="0" algn="r" rtl="0">
+              <a:spcBef>
+                <a:spcPts val="0"/>
+              </a:spcBef>
+              <a:spcAft>
+                <a:spcPts val="0"/>
+              </a:spcAft>
+              <a:buNone/>
+            </a:pPr>
+            <a:fld id="{00000000-1234-1234-1234-123412341234}" type="slidenum">
+              <a:rPr lang="en">
+                <a:latin typeface="Times New Roman" panose="02020603050405020304" pitchFamily="18" charset="0"/>
+                <a:cs typeface="Times New Roman" panose="02020603050405020304" pitchFamily="18" charset="0"/>
+              </a:rPr>
+              <a:t>26</a:t>
+            </a:fld>
+            <a:endParaRPr>
+              <a:latin typeface="Times New Roman" panose="02020603050405020304" pitchFamily="18" charset="0"/>
+              <a:cs typeface="Times New Roman" panose="02020603050405020304" pitchFamily="18" charset="0"/>
+            </a:endParaRPr>
+          </a:p>
+        </p:txBody>
+      </p:sp>
+      <p:pic>
+        <p:nvPicPr>
+          <p:cNvPr id="3" name="Picture 2">
+            <a:extLst>
+              <a:ext uri="{FF2B5EF4-FFF2-40B4-BE49-F238E27FC236}">
+                <a16:creationId xmlns:a16="http://schemas.microsoft.com/office/drawing/2014/main" id="{A2FA4C48-2FF8-234F-87E1-5FDEF0CE2212}"/>
+              </a:ext>
+            </a:extLst>
+          </p:cNvPr>
+          <p:cNvPicPr>
+            <a:picLocks noChangeAspect="1"/>
+          </p:cNvPicPr>
+          <p:nvPr/>
+        </p:nvPicPr>
+        <p:blipFill>
+          <a:blip r:embed="rId3"/>
+          <a:stretch>
+            <a:fillRect/>
+          </a:stretch>
+        </p:blipFill>
+        <p:spPr>
+          <a:xfrm>
+            <a:off x="1165476" y="1396756"/>
+            <a:ext cx="7517206" cy="2663023"/>
+          </a:xfrm>
+          <a:prstGeom prst="rect">
+            <a:avLst/>
+          </a:prstGeom>
+        </p:spPr>
+      </p:pic>
+    </p:spTree>
+    <p:extLst>
+      <p:ext uri="{BB962C8B-B14F-4D97-AF65-F5344CB8AC3E}">
+        <p14:creationId xmlns:p14="http://schemas.microsoft.com/office/powerpoint/2010/main" val="450535799"/>
+      </p:ext>
+    </p:extLst>
+  </p:cSld>
+  <p:clrMapOvr>
+    <a:masterClrMapping/>
+  </p:clrMapOvr>
+</p:sld>
+</file>
+
+<file path=ppt/slides/slide27.xml><?xml version="1.0" encoding="utf-8"?>
+<p:sld xmlns:a="http://schemas.openxmlformats.org/drawingml/2006/main" xmlns:r="http://schemas.openxmlformats.org/officeDocument/2006/relationships" xmlns:p="http://schemas.openxmlformats.org/presentationml/2006/main">
+  <p:cSld>
+    <p:spTree>
+      <p:nvGrpSpPr>
+        <p:cNvPr id="1" name="Shape 107"/>
+        <p:cNvGrpSpPr/>
+        <p:nvPr/>
+      </p:nvGrpSpPr>
+      <p:grpSpPr>
+        <a:xfrm>
+          <a:off x="0" y="0"/>
+          <a:ext cx="0" cy="0"/>
+          <a:chOff x="0" y="0"/>
+          <a:chExt cx="0" cy="0"/>
+        </a:xfrm>
+      </p:grpSpPr>
+      <p:sp>
+        <p:nvSpPr>
+          <p:cNvPr id="108" name="Google Shape;108;p17"/>
+          <p:cNvSpPr txBox="1">
+            <a:spLocks noGrp="1"/>
+          </p:cNvSpPr>
+          <p:nvPr>
+            <p:ph type="title"/>
+          </p:nvPr>
+        </p:nvSpPr>
+        <p:spPr>
+          <a:xfrm>
+            <a:off x="1165475" y="549649"/>
+            <a:ext cx="6858000" cy="345000"/>
+          </a:xfrm>
+          <a:prstGeom prst="rect">
+            <a:avLst/>
+          </a:prstGeom>
+        </p:spPr>
+        <p:txBody>
+          <a:bodyPr spcFirstLastPara="1" wrap="square" lIns="91425" tIns="91425" rIns="91425" bIns="91425" anchor="b" anchorCtr="0">
+            <a:noAutofit/>
+          </a:bodyPr>
+          <a:lstStyle/>
+          <a:p>
+            <a:r>
+              <a:rPr lang="en-US" dirty="0">
+                <a:latin typeface="Times New Roman" panose="02020603050405020304" pitchFamily="18" charset="0"/>
+                <a:cs typeface="Times New Roman" panose="02020603050405020304" pitchFamily="18" charset="0"/>
+              </a:rPr>
+              <a:t>Example</a:t>
+            </a:r>
+          </a:p>
+        </p:txBody>
+      </p:sp>
+      <p:sp>
+        <p:nvSpPr>
+          <p:cNvPr id="110" name="Google Shape;110;p17"/>
+          <p:cNvSpPr txBox="1">
+            <a:spLocks noGrp="1"/>
+          </p:cNvSpPr>
+          <p:nvPr>
+            <p:ph type="sldNum" idx="12"/>
+          </p:nvPr>
+        </p:nvSpPr>
+        <p:spPr>
+          <a:xfrm>
+            <a:off x="8523157" y="4752131"/>
+            <a:ext cx="548700" cy="315300"/>
+          </a:xfrm>
+          <a:prstGeom prst="rect">
+            <a:avLst/>
+          </a:prstGeom>
+        </p:spPr>
+        <p:txBody>
+          <a:bodyPr spcFirstLastPara="1" wrap="square" lIns="91425" tIns="91425" rIns="91425" bIns="91425" anchor="t" anchorCtr="0">
+            <a:noAutofit/>
+          </a:bodyPr>
+          <a:lstStyle/>
+          <a:p>
+            <a:pPr marL="0" lvl="0" indent="0" algn="r" rtl="0">
+              <a:spcBef>
+                <a:spcPts val="0"/>
+              </a:spcBef>
+              <a:spcAft>
+                <a:spcPts val="0"/>
+              </a:spcAft>
+              <a:buNone/>
+            </a:pPr>
+            <a:fld id="{00000000-1234-1234-1234-123412341234}" type="slidenum">
+              <a:rPr lang="en">
+                <a:latin typeface="Times New Roman" panose="02020603050405020304" pitchFamily="18" charset="0"/>
+                <a:cs typeface="Times New Roman" panose="02020603050405020304" pitchFamily="18" charset="0"/>
+              </a:rPr>
+              <a:t>27</a:t>
+            </a:fld>
+            <a:endParaRPr>
+              <a:latin typeface="Times New Roman" panose="02020603050405020304" pitchFamily="18" charset="0"/>
+              <a:cs typeface="Times New Roman" panose="02020603050405020304" pitchFamily="18" charset="0"/>
+            </a:endParaRPr>
+          </a:p>
+        </p:txBody>
+      </p:sp>
+      <p:pic>
+        <p:nvPicPr>
+          <p:cNvPr id="4" name="Picture 3">
+            <a:extLst>
+              <a:ext uri="{FF2B5EF4-FFF2-40B4-BE49-F238E27FC236}">
+                <a16:creationId xmlns:a16="http://schemas.microsoft.com/office/drawing/2014/main" id="{7C28BAC5-D102-A54A-92DB-7CC9AFAC0C90}"/>
+              </a:ext>
+            </a:extLst>
+          </p:cNvPr>
+          <p:cNvPicPr>
+            <a:picLocks noChangeAspect="1"/>
+          </p:cNvPicPr>
+          <p:nvPr/>
+        </p:nvPicPr>
+        <p:blipFill>
+          <a:blip r:embed="rId3"/>
+          <a:stretch>
+            <a:fillRect/>
+          </a:stretch>
+        </p:blipFill>
+        <p:spPr>
+          <a:xfrm>
+            <a:off x="1548714" y="1114604"/>
+            <a:ext cx="6361603" cy="3479247"/>
+          </a:xfrm>
+          <a:prstGeom prst="rect">
+            <a:avLst/>
+          </a:prstGeom>
+        </p:spPr>
+      </p:pic>
+    </p:spTree>
+    <p:extLst>
+      <p:ext uri="{BB962C8B-B14F-4D97-AF65-F5344CB8AC3E}">
+        <p14:creationId xmlns:p14="http://schemas.microsoft.com/office/powerpoint/2010/main" val="1239548610"/>
       </p:ext>
     </p:extLst>
   </p:cSld>
@@ -10274,10 +11932,16 @@
               <a:buNone/>
             </a:pPr>
             <a:r>
-              <a:rPr lang="en" dirty="0"/>
+              <a:rPr lang="en" dirty="0">
+                <a:latin typeface="Times New Roman" panose="02020603050405020304" pitchFamily="18" charset="0"/>
+                <a:cs typeface="Times New Roman" panose="02020603050405020304" pitchFamily="18" charset="0"/>
+              </a:rPr>
               <a:t>What is Aspect Oriented Software Development</a:t>
             </a:r>
-            <a:endParaRPr dirty="0"/>
+            <a:endParaRPr dirty="0">
+              <a:latin typeface="Times New Roman" panose="02020603050405020304" pitchFamily="18" charset="0"/>
+              <a:cs typeface="Times New Roman" panose="02020603050405020304" pitchFamily="18" charset="0"/>
+            </a:endParaRPr>
           </a:p>
         </p:txBody>
       </p:sp>
@@ -10316,11 +11980,17 @@
               <a:buNone/>
             </a:pPr>
             <a:r>
-              <a:rPr lang="en-US" dirty="0"/>
+              <a:rPr lang="en-US" dirty="0">
+                <a:latin typeface="Times New Roman" panose="02020603050405020304" pitchFamily="18" charset="0"/>
+                <a:cs typeface="Times New Roman" panose="02020603050405020304" pitchFamily="18" charset="0"/>
+              </a:rPr>
               <a:t>Key</a:t>
             </a:r>
             <a:r>
-              <a:rPr lang="en" dirty="0"/>
+              <a:rPr lang="en" dirty="0">
+                <a:latin typeface="Times New Roman" panose="02020603050405020304" pitchFamily="18" charset="0"/>
+                <a:cs typeface="Times New Roman" panose="02020603050405020304" pitchFamily="18" charset="0"/>
+              </a:rPr>
               <a:t>words: </a:t>
             </a:r>
           </a:p>
@@ -10336,7 +12006,10 @@
               <a:buChar char="•"/>
             </a:pPr>
             <a:r>
-              <a:rPr lang="en-US" dirty="0"/>
+              <a:rPr lang="en-US" dirty="0">
+                <a:latin typeface="Times New Roman" panose="02020603050405020304" pitchFamily="18" charset="0"/>
+                <a:cs typeface="Times New Roman" panose="02020603050405020304" pitchFamily="18" charset="0"/>
+              </a:rPr>
               <a:t>Separation Of Concerns</a:t>
             </a:r>
           </a:p>
@@ -10346,7 +12019,10 @@
               <a:buChar char="•"/>
             </a:pPr>
             <a:r>
-              <a:rPr lang="en-US" dirty="0"/>
+              <a:rPr lang="en-US" dirty="0">
+                <a:latin typeface="Times New Roman" panose="02020603050405020304" pitchFamily="18" charset="0"/>
+                <a:cs typeface="Times New Roman" panose="02020603050405020304" pitchFamily="18" charset="0"/>
+              </a:rPr>
               <a:t>Modularizations</a:t>
             </a:r>
           </a:p>
@@ -10361,7 +12037,10 @@
               <a:buFont typeface="Arial" panose="020B0604020202020204" pitchFamily="34" charset="0"/>
               <a:buChar char="•"/>
             </a:pPr>
-            <a:endParaRPr lang="en-US" dirty="0"/>
+            <a:endParaRPr lang="en-US" dirty="0">
+              <a:latin typeface="Times New Roman" panose="02020603050405020304" pitchFamily="18" charset="0"/>
+              <a:cs typeface="Times New Roman" panose="02020603050405020304" pitchFamily="18" charset="0"/>
+            </a:endParaRPr>
           </a:p>
           <a:p>
             <a:pPr marL="285750" lvl="0" indent="-285750" algn="l" rtl="0">
@@ -10374,7 +12053,10 @@
               <a:buFont typeface="Arial" panose="020B0604020202020204" pitchFamily="34" charset="0"/>
               <a:buChar char="•"/>
             </a:pPr>
-            <a:endParaRPr lang="en-US" dirty="0"/>
+            <a:endParaRPr lang="en-US" dirty="0">
+              <a:latin typeface="Times New Roman" panose="02020603050405020304" pitchFamily="18" charset="0"/>
+              <a:cs typeface="Times New Roman" panose="02020603050405020304" pitchFamily="18" charset="0"/>
+            </a:endParaRPr>
           </a:p>
           <a:p>
             <a:pPr marL="285750" lvl="0" indent="-285750" algn="l" rtl="0">
@@ -10387,7 +12069,10 @@
               <a:buFont typeface="Arial" panose="020B0604020202020204" pitchFamily="34" charset="0"/>
               <a:buChar char="•"/>
             </a:pPr>
-            <a:endParaRPr dirty="0"/>
+            <a:endParaRPr dirty="0">
+              <a:latin typeface="Times New Roman" panose="02020603050405020304" pitchFamily="18" charset="0"/>
+              <a:cs typeface="Times New Roman" panose="02020603050405020304" pitchFamily="18" charset="0"/>
+            </a:endParaRPr>
           </a:p>
         </p:txBody>
       </p:sp>
@@ -10430,9 +12115,9 @@
                 <a:solidFill>
                   <a:srgbClr val="2E3037"/>
                 </a:solidFill>
-                <a:latin typeface="Quicksand"/>
+                <a:latin typeface="Times New Roman" panose="02020603050405020304" pitchFamily="18" charset="0"/>
                 <a:ea typeface="Quicksand"/>
-                <a:cs typeface="Quicksand"/>
+                <a:cs typeface="Times New Roman" panose="02020603050405020304" pitchFamily="18" charset="0"/>
                 <a:sym typeface="Quicksand"/>
               </a:rPr>
               <a:t>1</a:t>
@@ -10441,9 +12126,9 @@
               <a:solidFill>
                 <a:srgbClr val="2E3037"/>
               </a:solidFill>
-              <a:latin typeface="Quicksand"/>
+              <a:latin typeface="Times New Roman" panose="02020603050405020304" pitchFamily="18" charset="0"/>
               <a:ea typeface="Quicksand"/>
-              <a:cs typeface="Quicksand"/>
+              <a:cs typeface="Times New Roman" panose="02020603050405020304" pitchFamily="18" charset="0"/>
               <a:sym typeface="Quicksand"/>
             </a:endParaRPr>
           </a:p>
@@ -10484,10 +12169,16 @@
               <a:buNone/>
             </a:pPr>
             <a:fld id="{00000000-1234-1234-1234-123412341234}" type="slidenum">
-              <a:rPr lang="en"/>
+              <a:rPr lang="en">
+                <a:latin typeface="Times New Roman" panose="02020603050405020304" pitchFamily="18" charset="0"/>
+                <a:cs typeface="Times New Roman" panose="02020603050405020304" pitchFamily="18" charset="0"/>
+              </a:rPr>
               <a:t>3</a:t>
             </a:fld>
-            <a:endParaRPr/>
+            <a:endParaRPr>
+              <a:latin typeface="Times New Roman" panose="02020603050405020304" pitchFamily="18" charset="0"/>
+              <a:cs typeface="Times New Roman" panose="02020603050405020304" pitchFamily="18" charset="0"/>
+            </a:endParaRPr>
           </a:p>
         </p:txBody>
       </p:sp>
@@ -10545,13 +12236,18 @@
               <a:buNone/>
             </a:pPr>
             <a:r>
-              <a:rPr lang="en-US" i="0" dirty="0"/>
+              <a:rPr lang="en-US" i="0" dirty="0">
+                <a:latin typeface="Times New Roman" panose="02020603050405020304" pitchFamily="18" charset="0"/>
+                <a:cs typeface="Times New Roman" panose="02020603050405020304" pitchFamily="18" charset="0"/>
+              </a:rPr>
               <a:t>AOSD allows multiple concerns to be expressed separately and automatically unified into working systems</a:t>
             </a:r>
             <a:endParaRPr dirty="0">
               <a:solidFill>
                 <a:schemeClr val="accent1"/>
               </a:solidFill>
+              <a:latin typeface="Times New Roman" panose="02020603050405020304" pitchFamily="18" charset="0"/>
+              <a:cs typeface="Times New Roman" panose="02020603050405020304" pitchFamily="18" charset="0"/>
             </a:endParaRPr>
           </a:p>
         </p:txBody>
@@ -10591,10 +12287,16 @@
               <a:buNone/>
             </a:pPr>
             <a:fld id="{00000000-1234-1234-1234-123412341234}" type="slidenum">
-              <a:rPr lang="en"/>
+              <a:rPr lang="en">
+                <a:latin typeface="Times New Roman" panose="02020603050405020304" pitchFamily="18" charset="0"/>
+                <a:cs typeface="Times New Roman" panose="02020603050405020304" pitchFamily="18" charset="0"/>
+              </a:rPr>
               <a:t>4</a:t>
             </a:fld>
-            <a:endParaRPr/>
+            <a:endParaRPr>
+              <a:latin typeface="Times New Roman" panose="02020603050405020304" pitchFamily="18" charset="0"/>
+              <a:cs typeface="Times New Roman" panose="02020603050405020304" pitchFamily="18" charset="0"/>
+            </a:endParaRPr>
           </a:p>
         </p:txBody>
       </p:sp>
@@ -10845,6 +12547,8 @@
                 <a:solidFill>
                   <a:srgbClr val="39C0BA"/>
                 </a:solidFill>
+                <a:latin typeface="Times New Roman" panose="02020603050405020304" pitchFamily="18" charset="0"/>
+                <a:cs typeface="Times New Roman" panose="02020603050405020304" pitchFamily="18" charset="0"/>
               </a:rPr>
               <a:t>Aspect Oriented Software Development Introduction </a:t>
             </a:r>
@@ -10852,6 +12556,8 @@
               <a:solidFill>
                 <a:srgbClr val="39C0BA"/>
               </a:solidFill>
+              <a:latin typeface="Times New Roman" panose="02020603050405020304" pitchFamily="18" charset="0"/>
+              <a:cs typeface="Times New Roman" panose="02020603050405020304" pitchFamily="18" charset="0"/>
             </a:endParaRPr>
           </a:p>
         </p:txBody>
@@ -10885,7 +12591,10 @@
               <a:buNone/>
             </a:pPr>
             <a:r>
-              <a:rPr lang="en-US" sz="1400" dirty="0"/>
+              <a:rPr lang="en-US" sz="1400" dirty="0">
+                <a:latin typeface="Times New Roman" panose="02020603050405020304" pitchFamily="18" charset="0"/>
+                <a:cs typeface="Times New Roman" panose="02020603050405020304" pitchFamily="18" charset="0"/>
+              </a:rPr>
               <a:t>AOSE is based around abstractions called </a:t>
             </a:r>
             <a:r>
@@ -10893,6 +12602,8 @@
                 <a:solidFill>
                   <a:srgbClr val="37C0BA"/>
                 </a:solidFill>
+                <a:latin typeface="Times New Roman" panose="02020603050405020304" pitchFamily="18" charset="0"/>
+                <a:cs typeface="Times New Roman" panose="02020603050405020304" pitchFamily="18" charset="0"/>
               </a:rPr>
               <a:t>aspects</a:t>
             </a:r>
@@ -10905,6 +12616,8 @@
               <a:solidFill>
                 <a:srgbClr val="37C0BA"/>
               </a:solidFill>
+              <a:latin typeface="Times New Roman" panose="02020603050405020304" pitchFamily="18" charset="0"/>
+              <a:cs typeface="Times New Roman" panose="02020603050405020304" pitchFamily="18" charset="0"/>
             </a:endParaRPr>
           </a:p>
           <a:p>
@@ -10912,27 +12625,38 @@
               <a:buNone/>
             </a:pPr>
             <a:r>
-              <a:rPr lang="en-US" sz="1400" dirty="0"/>
+              <a:rPr lang="en-US" sz="1400" dirty="0">
+                <a:latin typeface="Times New Roman" panose="02020603050405020304" pitchFamily="18" charset="0"/>
+                <a:cs typeface="Times New Roman" panose="02020603050405020304" pitchFamily="18" charset="0"/>
+              </a:rPr>
               <a:t>important characteristic: </a:t>
             </a:r>
           </a:p>
           <a:p>
             <a:pPr marL="285750" indent="-285750"/>
             <a:r>
-              <a:rPr lang="en-US" sz="1400" dirty="0"/>
+              <a:rPr lang="en-US" sz="1400" dirty="0">
+                <a:latin typeface="Times New Roman" panose="02020603050405020304" pitchFamily="18" charset="0"/>
+                <a:cs typeface="Times New Roman" panose="02020603050405020304" pitchFamily="18" charset="0"/>
+              </a:rPr>
               <a:t>definition of where they should be included</a:t>
             </a:r>
           </a:p>
           <a:p>
             <a:pPr marL="285750" indent="-285750"/>
             <a:r>
-              <a:rPr lang="en-US" sz="1400" dirty="0"/>
+              <a:rPr lang="en-US" sz="1400" dirty="0">
+                <a:latin typeface="Times New Roman" panose="02020603050405020304" pitchFamily="18" charset="0"/>
+                <a:cs typeface="Times New Roman" panose="02020603050405020304" pitchFamily="18" charset="0"/>
+              </a:rPr>
               <a:t> implementing the cross-cutting concern</a:t>
             </a:r>
             <a:endParaRPr lang="en-US" sz="1400" b="1" dirty="0">
               <a:solidFill>
                 <a:srgbClr val="37C0BA"/>
               </a:solidFill>
+              <a:latin typeface="Times New Roman" panose="02020603050405020304" pitchFamily="18" charset="0"/>
+              <a:cs typeface="Times New Roman" panose="02020603050405020304" pitchFamily="18" charset="0"/>
             </a:endParaRPr>
           </a:p>
           <a:p>
@@ -10943,6 +12667,8 @@
               <a:solidFill>
                 <a:srgbClr val="37C0BA"/>
               </a:solidFill>
+              <a:latin typeface="Times New Roman" panose="02020603050405020304" pitchFamily="18" charset="0"/>
+              <a:cs typeface="Times New Roman" panose="02020603050405020304" pitchFamily="18" charset="0"/>
             </a:endParaRPr>
           </a:p>
           <a:p>
@@ -10950,34 +12676,49 @@
               <a:buNone/>
             </a:pPr>
             <a:r>
-              <a:rPr lang="en-US" sz="1400" dirty="0"/>
+              <a:rPr lang="en-US" sz="1400" dirty="0">
+                <a:latin typeface="Times New Roman" panose="02020603050405020304" pitchFamily="18" charset="0"/>
+                <a:cs typeface="Times New Roman" panose="02020603050405020304" pitchFamily="18" charset="0"/>
+              </a:rPr>
               <a:t>approaches to software modularization: </a:t>
             </a:r>
           </a:p>
           <a:p>
             <a:pPr marL="285750" indent="-285750"/>
             <a:r>
-              <a:rPr lang="en-US" sz="1200" dirty="0"/>
+              <a:rPr lang="en-US" sz="1200" dirty="0">
+                <a:latin typeface="Times New Roman" panose="02020603050405020304" pitchFamily="18" charset="0"/>
+                <a:cs typeface="Times New Roman" panose="02020603050405020304" pitchFamily="18" charset="0"/>
+              </a:rPr>
               <a:t>Subject Oriented Programming</a:t>
             </a:r>
           </a:p>
           <a:p>
             <a:pPr marL="285750" indent="-285750"/>
             <a:r>
-              <a:rPr lang="en-US" sz="1200" dirty="0"/>
+              <a:rPr lang="en-US" sz="1200" dirty="0">
+                <a:latin typeface="Times New Roman" panose="02020603050405020304" pitchFamily="18" charset="0"/>
+                <a:cs typeface="Times New Roman" panose="02020603050405020304" pitchFamily="18" charset="0"/>
+              </a:rPr>
               <a:t>Feature Oriented Programming </a:t>
             </a:r>
           </a:p>
           <a:p>
             <a:pPr marL="285750" indent="-285750"/>
             <a:r>
-              <a:rPr lang="en-US" sz="1200" dirty="0"/>
+              <a:rPr lang="en-US" sz="1200" dirty="0">
+                <a:latin typeface="Times New Roman" panose="02020603050405020304" pitchFamily="18" charset="0"/>
+                <a:cs typeface="Times New Roman" panose="02020603050405020304" pitchFamily="18" charset="0"/>
+              </a:rPr>
               <a:t>Adaptive Programming </a:t>
             </a:r>
           </a:p>
           <a:p>
             <a:pPr marL="285750" indent="-285750"/>
-            <a:endParaRPr lang="en-US" sz="1200" dirty="0"/>
+            <a:endParaRPr lang="en-US" sz="1200" dirty="0">
+              <a:latin typeface="Times New Roman" panose="02020603050405020304" pitchFamily="18" charset="0"/>
+              <a:cs typeface="Times New Roman" panose="02020603050405020304" pitchFamily="18" charset="0"/>
+            </a:endParaRPr>
           </a:p>
           <a:p>
             <a:pPr marL="0" indent="0">
@@ -10988,6 +12729,8 @@
                 <a:solidFill>
                   <a:srgbClr val="37C0BA"/>
                 </a:solidFill>
+                <a:latin typeface="Times New Roman" panose="02020603050405020304" pitchFamily="18" charset="0"/>
+                <a:cs typeface="Times New Roman" panose="02020603050405020304" pitchFamily="18" charset="0"/>
               </a:rPr>
               <a:t>Gregor </a:t>
             </a:r>
@@ -10996,6 +12739,8 @@
                 <a:solidFill>
                   <a:srgbClr val="37C0BA"/>
                 </a:solidFill>
+                <a:latin typeface="Times New Roman" panose="02020603050405020304" pitchFamily="18" charset="0"/>
+                <a:cs typeface="Times New Roman" panose="02020603050405020304" pitchFamily="18" charset="0"/>
               </a:rPr>
               <a:t>Kiczales</a:t>
             </a:r>
@@ -11004,11 +12749,16 @@
                 <a:solidFill>
                   <a:srgbClr val="37C0BA"/>
                 </a:solidFill>
+                <a:latin typeface="Times New Roman" panose="02020603050405020304" pitchFamily="18" charset="0"/>
+                <a:cs typeface="Times New Roman" panose="02020603050405020304" pitchFamily="18" charset="0"/>
               </a:rPr>
               <a:t> </a:t>
             </a:r>
             <a:r>
-              <a:rPr lang="en-US" sz="1200" dirty="0"/>
+              <a:rPr lang="en-US" sz="1200" dirty="0">
+                <a:latin typeface="Times New Roman" panose="02020603050405020304" pitchFamily="18" charset="0"/>
+                <a:cs typeface="Times New Roman" panose="02020603050405020304" pitchFamily="18" charset="0"/>
+              </a:rPr>
               <a:t>and </a:t>
             </a:r>
             <a:r>
@@ -11016,24 +12766,27 @@
                 <a:solidFill>
                   <a:srgbClr val="37C0BA"/>
                 </a:solidFill>
+                <a:latin typeface="Times New Roman" panose="02020603050405020304" pitchFamily="18" charset="0"/>
+                <a:cs typeface="Times New Roman" panose="02020603050405020304" pitchFamily="18" charset="0"/>
               </a:rPr>
               <a:t>Palo Alto Research Center</a:t>
             </a:r>
             <a:r>
-              <a:rPr lang="en-US" sz="1200" dirty="0"/>
-              <a:t> later developed AspectJ framework which main concern is </a:t>
-            </a:r>
-            <a:r>
-              <a:rPr lang="en-US" sz="1200" dirty="0" err="1"/>
-              <a:t>aop</a:t>
-            </a:r>
-            <a:endParaRPr lang="en-US" sz="1200" dirty="0"/>
+              <a:rPr lang="en-US" sz="1200" dirty="0">
+                <a:latin typeface="Times New Roman" panose="02020603050405020304" pitchFamily="18" charset="0"/>
+                <a:cs typeface="Times New Roman" panose="02020603050405020304" pitchFamily="18" charset="0"/>
+              </a:rPr>
+              <a:t> later developed AspectJ framework which main concern is AOP</a:t>
+            </a:r>
           </a:p>
           <a:p>
             <a:pPr marL="0" indent="0">
               <a:buNone/>
             </a:pPr>
-            <a:endParaRPr lang="en-US" dirty="0"/>
+            <a:endParaRPr lang="en-US" dirty="0">
+              <a:latin typeface="Times New Roman" panose="02020603050405020304" pitchFamily="18" charset="0"/>
+              <a:cs typeface="Times New Roman" panose="02020603050405020304" pitchFamily="18" charset="0"/>
+            </a:endParaRPr>
           </a:p>
         </p:txBody>
       </p:sp>
@@ -11072,10 +12825,16 @@
               <a:buNone/>
             </a:pPr>
             <a:fld id="{00000000-1234-1234-1234-123412341234}" type="slidenum">
-              <a:rPr lang="en"/>
+              <a:rPr lang="en">
+                <a:latin typeface="Times New Roman" panose="02020603050405020304" pitchFamily="18" charset="0"/>
+                <a:cs typeface="Times New Roman" panose="02020603050405020304" pitchFamily="18" charset="0"/>
+              </a:rPr>
               <a:t>6</a:t>
             </a:fld>
-            <a:endParaRPr/>
+            <a:endParaRPr>
+              <a:latin typeface="Times New Roman" panose="02020603050405020304" pitchFamily="18" charset="0"/>
+              <a:cs typeface="Times New Roman" panose="02020603050405020304" pitchFamily="18" charset="0"/>
+            </a:endParaRPr>
           </a:p>
         </p:txBody>
       </p:sp>
@@ -11143,6 +12902,8 @@
                 <a:solidFill>
                   <a:srgbClr val="39C0BA"/>
                 </a:solidFill>
+                <a:latin typeface="Times New Roman" panose="02020603050405020304" pitchFamily="18" charset="0"/>
+                <a:cs typeface="Times New Roman" panose="02020603050405020304" pitchFamily="18" charset="0"/>
               </a:rPr>
               <a:t>Cross Cutting Problems</a:t>
             </a:r>
@@ -11150,6 +12911,8 @@
               <a:solidFill>
                 <a:srgbClr val="39C0BA"/>
               </a:solidFill>
+              <a:latin typeface="Times New Roman" panose="02020603050405020304" pitchFamily="18" charset="0"/>
+              <a:cs typeface="Times New Roman" panose="02020603050405020304" pitchFamily="18" charset="0"/>
             </a:endParaRPr>
           </a:p>
         </p:txBody>
@@ -11182,20 +12945,29 @@
             <a:pPr marL="38100" indent="0" algn="ctr">
               <a:buNone/>
             </a:pPr>
-            <a:endParaRPr lang="en-US" sz="1400" dirty="0"/>
+            <a:endParaRPr lang="en-US" sz="1400" dirty="0">
+              <a:latin typeface="Times New Roman" panose="02020603050405020304" pitchFamily="18" charset="0"/>
+              <a:cs typeface="Times New Roman" panose="02020603050405020304" pitchFamily="18" charset="0"/>
+            </a:endParaRPr>
           </a:p>
           <a:p>
             <a:pPr marL="38100" indent="0" algn="ctr">
               <a:buNone/>
             </a:pPr>
-            <a:endParaRPr lang="en-US" sz="1400" dirty="0"/>
+            <a:endParaRPr lang="en-US" sz="1400" dirty="0">
+              <a:latin typeface="Times New Roman" panose="02020603050405020304" pitchFamily="18" charset="0"/>
+              <a:cs typeface="Times New Roman" panose="02020603050405020304" pitchFamily="18" charset="0"/>
+            </a:endParaRPr>
           </a:p>
           <a:p>
             <a:pPr marL="38100" indent="0" algn="ctr">
               <a:buNone/>
             </a:pPr>
             <a:r>
-              <a:rPr lang="en-US" sz="1400" dirty="0"/>
+              <a:rPr lang="en-US" sz="1400" dirty="0">
+                <a:latin typeface="Times New Roman" panose="02020603050405020304" pitchFamily="18" charset="0"/>
+                <a:cs typeface="Times New Roman" panose="02020603050405020304" pitchFamily="18" charset="0"/>
+              </a:rPr>
               <a:t>By representing cross-cutting concerns as aspects, these concerns can be understood, reused, and modified independently, without regard for where the code is used.</a:t>
             </a:r>
           </a:p>
@@ -11203,14 +12975,20 @@
             <a:pPr marL="38100" indent="0" algn="ctr">
               <a:buNone/>
             </a:pPr>
-            <a:endParaRPr lang="en-US" sz="1400" dirty="0"/>
+            <a:endParaRPr lang="en-US" sz="1400" dirty="0">
+              <a:latin typeface="Times New Roman" panose="02020603050405020304" pitchFamily="18" charset="0"/>
+              <a:cs typeface="Times New Roman" panose="02020603050405020304" pitchFamily="18" charset="0"/>
+            </a:endParaRPr>
           </a:p>
           <a:p>
             <a:pPr marL="38100" indent="0" algn="ctr">
               <a:buNone/>
             </a:pPr>
             <a:r>
-              <a:rPr lang="en-US" sz="1400" dirty="0"/>
+              <a:rPr lang="en-US" sz="1400" dirty="0">
+                <a:latin typeface="Times New Roman" panose="02020603050405020304" pitchFamily="18" charset="0"/>
+                <a:cs typeface="Times New Roman" panose="02020603050405020304" pitchFamily="18" charset="0"/>
+              </a:rPr>
               <a:t>OR</a:t>
             </a:r>
           </a:p>
@@ -11218,14 +12996,20 @@
             <a:pPr marL="38100" indent="0" algn="ctr">
               <a:buNone/>
             </a:pPr>
-            <a:endParaRPr lang="en-US" sz="1400" dirty="0"/>
+            <a:endParaRPr lang="en-US" sz="1400" dirty="0">
+              <a:latin typeface="Times New Roman" panose="02020603050405020304" pitchFamily="18" charset="0"/>
+              <a:cs typeface="Times New Roman" panose="02020603050405020304" pitchFamily="18" charset="0"/>
+            </a:endParaRPr>
           </a:p>
           <a:p>
             <a:pPr marL="38100" indent="0" algn="ctr">
               <a:buNone/>
             </a:pPr>
             <a:r>
-              <a:rPr lang="en-US" sz="1400" dirty="0"/>
+              <a:rPr lang="en-US" sz="1400" dirty="0">
+                <a:latin typeface="Times New Roman" panose="02020603050405020304" pitchFamily="18" charset="0"/>
+                <a:cs typeface="Times New Roman" panose="02020603050405020304" pitchFamily="18" charset="0"/>
+              </a:rPr>
               <a:t>are aspects of the program that affects other concerns </a:t>
             </a:r>
           </a:p>
@@ -11233,7 +13017,10 @@
             <a:pPr marL="38100" indent="0" algn="ctr">
               <a:buNone/>
             </a:pPr>
-            <a:endParaRPr lang="en-US" sz="1400" dirty="0"/>
+            <a:endParaRPr lang="en-US" sz="1400" dirty="0">
+              <a:latin typeface="Times New Roman" panose="02020603050405020304" pitchFamily="18" charset="0"/>
+              <a:cs typeface="Times New Roman" panose="02020603050405020304" pitchFamily="18" charset="0"/>
+            </a:endParaRPr>
           </a:p>
         </p:txBody>
       </p:sp>
@@ -11272,10 +13059,16 @@
               <a:buNone/>
             </a:pPr>
             <a:fld id="{00000000-1234-1234-1234-123412341234}" type="slidenum">
-              <a:rPr lang="en"/>
+              <a:rPr lang="en">
+                <a:latin typeface="Times New Roman" panose="02020603050405020304" pitchFamily="18" charset="0"/>
+                <a:cs typeface="Times New Roman" panose="02020603050405020304" pitchFamily="18" charset="0"/>
+              </a:rPr>
               <a:t>7</a:t>
             </a:fld>
-            <a:endParaRPr/>
+            <a:endParaRPr>
+              <a:latin typeface="Times New Roman" panose="02020603050405020304" pitchFamily="18" charset="0"/>
+              <a:cs typeface="Times New Roman" panose="02020603050405020304" pitchFamily="18" charset="0"/>
+            </a:endParaRPr>
           </a:p>
         </p:txBody>
       </p:sp>
@@ -11335,7 +13128,10 @@
           <a:lstStyle/>
           <a:p>
             <a:r>
-              <a:rPr lang="en-US" dirty="0"/>
+              <a:rPr lang="en-US" dirty="0">
+                <a:latin typeface="Times New Roman" panose="02020603050405020304" pitchFamily="18" charset="0"/>
+                <a:cs typeface="Times New Roman" panose="02020603050405020304" pitchFamily="18" charset="0"/>
+              </a:rPr>
               <a:t>Separation of concerns </a:t>
             </a:r>
           </a:p>
@@ -11380,9 +13176,9 @@
                 <a:solidFill>
                   <a:srgbClr val="2E3037"/>
                 </a:solidFill>
-                <a:latin typeface="Quicksand"/>
+                <a:latin typeface="Times New Roman" panose="02020603050405020304" pitchFamily="18" charset="0"/>
                 <a:ea typeface="Quicksand"/>
-                <a:cs typeface="Quicksand"/>
+                <a:cs typeface="Times New Roman" panose="02020603050405020304" pitchFamily="18" charset="0"/>
                 <a:sym typeface="Quicksand"/>
               </a:rPr>
               <a:t>2</a:t>
@@ -11425,10 +13221,16 @@
               <a:buNone/>
             </a:pPr>
             <a:fld id="{00000000-1234-1234-1234-123412341234}" type="slidenum">
-              <a:rPr lang="en"/>
+              <a:rPr lang="en">
+                <a:latin typeface="Times New Roman" panose="02020603050405020304" pitchFamily="18" charset="0"/>
+                <a:cs typeface="Times New Roman" panose="02020603050405020304" pitchFamily="18" charset="0"/>
+              </a:rPr>
               <a:t>8</a:t>
             </a:fld>
-            <a:endParaRPr/>
+            <a:endParaRPr>
+              <a:latin typeface="Times New Roman" panose="02020603050405020304" pitchFamily="18" charset="0"/>
+              <a:cs typeface="Times New Roman" panose="02020603050405020304" pitchFamily="18" charset="0"/>
+            </a:endParaRPr>
           </a:p>
         </p:txBody>
       </p:sp>
@@ -11501,6 +13303,8 @@
                 <a:solidFill>
                   <a:srgbClr val="39C0BA"/>
                 </a:solidFill>
+                <a:latin typeface="Times New Roman" panose="02020603050405020304" pitchFamily="18" charset="0"/>
+                <a:cs typeface="Times New Roman" panose="02020603050405020304" pitchFamily="18" charset="0"/>
               </a:rPr>
               <a:t>Separation Of Concern</a:t>
             </a:r>
@@ -11508,6 +13312,8 @@
               <a:solidFill>
                 <a:srgbClr val="39C0BA"/>
               </a:solidFill>
+              <a:latin typeface="Times New Roman" panose="02020603050405020304" pitchFamily="18" charset="0"/>
+              <a:cs typeface="Times New Roman" panose="02020603050405020304" pitchFamily="18" charset="0"/>
             </a:endParaRPr>
           </a:p>
         </p:txBody>
@@ -11541,7 +13347,10 @@
               <a:buNone/>
             </a:pPr>
             <a:r>
-              <a:rPr lang="en-US" sz="1300" dirty="0"/>
+              <a:rPr lang="en-US" sz="1300" dirty="0">
+                <a:latin typeface="Times New Roman" panose="02020603050405020304" pitchFamily="18" charset="0"/>
+                <a:cs typeface="Times New Roman" panose="02020603050405020304" pitchFamily="18" charset="0"/>
+              </a:rPr>
               <a:t>The separation of concerns is a key principle of software design and implementation. It means that you should organize your software so that each element in the program (class, method, procedure, etc.) does one thing and one thing only. You can then focus on that element without regard for the other elements in the program</a:t>
             </a:r>
           </a:p>
@@ -11549,14 +13358,20 @@
             <a:pPr marL="0" indent="0">
               <a:buNone/>
             </a:pPr>
-            <a:endParaRPr lang="en-US" sz="1300" dirty="0"/>
+            <a:endParaRPr lang="en-US" sz="1300" dirty="0">
+              <a:latin typeface="Times New Roman" panose="02020603050405020304" pitchFamily="18" charset="0"/>
+              <a:cs typeface="Times New Roman" panose="02020603050405020304" pitchFamily="18" charset="0"/>
+            </a:endParaRPr>
           </a:p>
           <a:p>
             <a:pPr marL="0" indent="0">
               <a:buNone/>
             </a:pPr>
             <a:r>
-              <a:rPr lang="en-US" sz="1300" dirty="0"/>
+              <a:rPr lang="en-US" sz="1300" dirty="0">
+                <a:latin typeface="Times New Roman" panose="02020603050405020304" pitchFamily="18" charset="0"/>
+                <a:cs typeface="Times New Roman" panose="02020603050405020304" pitchFamily="18" charset="0"/>
+              </a:rPr>
               <a:t>concerns are really reflections of the system requirements and priorities of stakeholders in the system</a:t>
             </a:r>
           </a:p>
@@ -11564,14 +13379,20 @@
             <a:pPr marL="0" indent="0">
               <a:buNone/>
             </a:pPr>
-            <a:endParaRPr lang="en-US" sz="1300" dirty="0"/>
+            <a:endParaRPr lang="en-US" sz="1300" dirty="0">
+              <a:latin typeface="Times New Roman" panose="02020603050405020304" pitchFamily="18" charset="0"/>
+              <a:cs typeface="Times New Roman" panose="02020603050405020304" pitchFamily="18" charset="0"/>
+            </a:endParaRPr>
           </a:p>
           <a:p>
             <a:pPr marL="0" indent="0">
               <a:buNone/>
             </a:pPr>
             <a:r>
-              <a:rPr lang="en-US" sz="1300" dirty="0"/>
+              <a:rPr lang="en-US" sz="1300" dirty="0">
+                <a:latin typeface="Times New Roman" panose="02020603050405020304" pitchFamily="18" charset="0"/>
+                <a:cs typeface="Times New Roman" panose="02020603050405020304" pitchFamily="18" charset="0"/>
+              </a:rPr>
               <a:t>It is easier to trace concerns, expressed as a requirement or a related set of requirements</a:t>
             </a:r>
           </a:p>
@@ -11579,13 +13400,19 @@
             <a:pPr marL="0" indent="0">
               <a:buNone/>
             </a:pPr>
-            <a:endParaRPr lang="en-US" sz="1300" dirty="0"/>
+            <a:endParaRPr lang="en-US" sz="1300" dirty="0">
+              <a:latin typeface="Times New Roman" panose="02020603050405020304" pitchFamily="18" charset="0"/>
+              <a:cs typeface="Times New Roman" panose="02020603050405020304" pitchFamily="18" charset="0"/>
+            </a:endParaRPr>
           </a:p>
           <a:p>
             <a:pPr marL="0" indent="0">
               <a:buNone/>
             </a:pPr>
-            <a:endParaRPr lang="en-US" sz="1300" dirty="0"/>
+            <a:endParaRPr lang="en-US" sz="1300" dirty="0">
+              <a:latin typeface="Times New Roman" panose="02020603050405020304" pitchFamily="18" charset="0"/>
+              <a:cs typeface="Times New Roman" panose="02020603050405020304" pitchFamily="18" charset="0"/>
+            </a:endParaRPr>
           </a:p>
         </p:txBody>
       </p:sp>
@@ -11624,10 +13451,16 @@
               <a:buNone/>
             </a:pPr>
             <a:fld id="{00000000-1234-1234-1234-123412341234}" type="slidenum">
-              <a:rPr lang="en"/>
+              <a:rPr lang="en">
+                <a:latin typeface="Times New Roman" panose="02020603050405020304" pitchFamily="18" charset="0"/>
+                <a:cs typeface="Times New Roman" panose="02020603050405020304" pitchFamily="18" charset="0"/>
+              </a:rPr>
               <a:t>9</a:t>
             </a:fld>
-            <a:endParaRPr/>
+            <a:endParaRPr>
+              <a:latin typeface="Times New Roman" panose="02020603050405020304" pitchFamily="18" charset="0"/>
+              <a:cs typeface="Times New Roman" panose="02020603050405020304" pitchFamily="18" charset="0"/>
+            </a:endParaRPr>
           </a:p>
         </p:txBody>
       </p:sp>
